--- a/4 ⚙️ Solution/20 🧑‍🦰 UI/02 📣 Notifiers/.📎 Assets/📣 .pptx
+++ b/4 ⚙️ Solution/20 🧑‍🦰 UI/02 📣 Notifiers/.📎 Assets/📣 .pptx
@@ -5,39 +5,38 @@
     <p:sldMasterId id="2147483648" r:id="rId1"/>
   </p:sldMasterIdLst>
   <p:notesMasterIdLst>
-    <p:notesMasterId r:id="rId5"/>
+    <p:notesMasterId r:id="rId4"/>
   </p:notesMasterIdLst>
   <p:handoutMasterIdLst>
-    <p:handoutMasterId r:id="rId6"/>
+    <p:handoutMasterId r:id="rId5"/>
   </p:handoutMasterIdLst>
   <p:sldIdLst>
     <p:sldId id="1823" r:id="rId2"/>
     <p:sldId id="1695" r:id="rId3"/>
-    <p:sldId id="1824" r:id="rId4"/>
   </p:sldIdLst>
   <p:sldSz cx="12192000" cy="6858000"/>
   <p:notesSz cx="6858000" cy="9144000"/>
   <p:embeddedFontLst>
     <p:embeddedFont>
       <p:font typeface="Amazon Ember" panose="020B0603020204020204" pitchFamily="34" charset="0"/>
-      <p:regular r:id="rId7"/>
-      <p:bold r:id="rId8"/>
-      <p:italic r:id="rId9"/>
-      <p:boldItalic r:id="rId10"/>
+      <p:regular r:id="rId6"/>
+      <p:bold r:id="rId7"/>
+      <p:italic r:id="rId8"/>
+      <p:boldItalic r:id="rId9"/>
     </p:embeddedFont>
     <p:embeddedFont>
-      <p:font typeface="Amazon Ember Display" panose="020B0603020204020204" pitchFamily="34" charset="0"/>
-      <p:regular r:id="rId11"/>
-      <p:bold r:id="rId12"/>
-      <p:italic r:id="rId13"/>
-      <p:boldItalic r:id="rId14"/>
+      <p:font typeface="Amazon Ember Display" panose="020F0603020204020204" pitchFamily="34" charset="0"/>
+      <p:regular r:id="rId10"/>
+      <p:bold r:id="rId11"/>
+      <p:italic r:id="rId12"/>
+      <p:boldItalic r:id="rId13"/>
     </p:embeddedFont>
     <p:embeddedFont>
       <p:font typeface="Segoe UI" panose="020B0502040204020203" pitchFamily="34" charset="0"/>
-      <p:regular r:id="rId15"/>
-      <p:bold r:id="rId16"/>
-      <p:italic r:id="rId17"/>
-      <p:boldItalic r:id="rId18"/>
+      <p:regular r:id="rId14"/>
+      <p:bold r:id="rId15"/>
+      <p:italic r:id="rId16"/>
+      <p:boldItalic r:id="rId17"/>
     </p:embeddedFont>
   </p:embeddedFontLst>
   <p:defaultTextStyle>
@@ -142,7 +141,6 @@
           <p14:sldIdLst>
             <p14:sldId id="1823"/>
             <p14:sldId id="1695"/>
-            <p14:sldId id="1824"/>
           </p14:sldIdLst>
         </p14:section>
       </p14:sectionLst>
@@ -715,7 +713,7 @@
           <a:p>
             <a:fld id="{542F96DF-134D-4F6A-BFA6-E032E504EEEB}" type="datetime8">
               <a:rPr lang="en-US" smtClean="0"/>
-              <a:t>4/22/25 9:15 PM</a:t>
+              <a:t>8/26/25 1:27 AM</a:t>
             </a:fld>
             <a:endParaRPr lang="en-US" dirty="0"/>
           </a:p>
@@ -4485,4223 +4483,6 @@
   <p:transition>
     <p:fade/>
   </p:transition>
-</p:sld>
-</file>
-
-<file path=ppt/slides/slide3.xml><?xml version="1.0" encoding="utf-8"?>
-<p:sld xmlns:a="http://schemas.openxmlformats.org/drawingml/2006/main" xmlns:r="http://schemas.openxmlformats.org/officeDocument/2006/relationships" xmlns:p="http://schemas.openxmlformats.org/presentationml/2006/main">
-  <p:cSld>
-    <p:spTree>
-      <p:nvGrpSpPr>
-        <p:cNvPr id="1" name=""/>
-        <p:cNvGrpSpPr/>
-        <p:nvPr/>
-      </p:nvGrpSpPr>
-      <p:grpSpPr>
-        <a:xfrm>
-          <a:off x="0" y="0"/>
-          <a:ext cx="0" cy="0"/>
-          <a:chOff x="0" y="0"/>
-          <a:chExt cx="0" cy="0"/>
-        </a:xfrm>
-      </p:grpSpPr>
-      <p:cxnSp>
-        <p:nvCxnSpPr>
-          <p:cNvPr id="72" name="Straight Arrow Connector 12">
-            <a:extLst>
-              <a:ext uri="{FF2B5EF4-FFF2-40B4-BE49-F238E27FC236}">
-                <a16:creationId xmlns:a16="http://schemas.microsoft.com/office/drawing/2014/main" id="{9C720B23-243B-998D-C938-AF8CCC46173E}"/>
-              </a:ext>
-            </a:extLst>
-          </p:cNvPr>
-          <p:cNvCxnSpPr>
-            <a:cxnSpLocks/>
-            <a:stCxn id="8" idx="1"/>
-            <a:endCxn id="49" idx="3"/>
-          </p:cNvCxnSpPr>
-          <p:nvPr/>
-        </p:nvCxnSpPr>
-        <p:spPr>
-          <a:xfrm flipH="1" flipV="1">
-            <a:off x="4446599" y="2270479"/>
-            <a:ext cx="3755726" cy="227"/>
-          </a:xfrm>
-          <a:prstGeom prst="straightConnector1">
-            <a:avLst/>
-          </a:prstGeom>
-          <a:ln w="19050" cap="rnd">
-            <a:solidFill>
-              <a:schemeClr val="tx1">
-                <a:lumMod val="75000"/>
-              </a:schemeClr>
-            </a:solidFill>
-            <a:round/>
-            <a:tailEnd type="triangle" w="lg" len="lg"/>
-          </a:ln>
-        </p:spPr>
-        <p:style>
-          <a:lnRef idx="1">
-            <a:schemeClr val="accent1"/>
-          </a:lnRef>
-          <a:fillRef idx="0">
-            <a:schemeClr val="accent1"/>
-          </a:fillRef>
-          <a:effectRef idx="0">
-            <a:schemeClr val="accent1"/>
-          </a:effectRef>
-          <a:fontRef idx="minor">
-            <a:schemeClr val="tx1"/>
-          </a:fontRef>
-        </p:style>
-      </p:cxnSp>
-      <p:grpSp>
-        <p:nvGrpSpPr>
-          <p:cNvPr id="55" name="Group 54">
-            <a:extLst>
-              <a:ext uri="{FF2B5EF4-FFF2-40B4-BE49-F238E27FC236}">
-                <a16:creationId xmlns:a16="http://schemas.microsoft.com/office/drawing/2014/main" id="{0BE75E66-0D87-1F41-CDF3-DD82FC2ACE52}"/>
-              </a:ext>
-            </a:extLst>
-          </p:cNvPr>
-          <p:cNvGrpSpPr/>
-          <p:nvPr/>
-        </p:nvGrpSpPr>
-        <p:grpSpPr>
-          <a:xfrm>
-            <a:off x="2396763" y="2586048"/>
-            <a:ext cx="2047671" cy="518854"/>
-            <a:chOff x="6890273" y="2476895"/>
-            <a:chExt cx="2047671" cy="518854"/>
-          </a:xfrm>
-        </p:grpSpPr>
-        <p:sp>
-          <p:nvSpPr>
-            <p:cNvPr id="56" name="Rectangle 55">
-              <a:extLst>
-                <a:ext uri="{FF2B5EF4-FFF2-40B4-BE49-F238E27FC236}">
-                  <a16:creationId xmlns:a16="http://schemas.microsoft.com/office/drawing/2014/main" id="{4B1C1C25-AA35-707B-1BAA-DA4DBA0C2D96}"/>
-                </a:ext>
-              </a:extLst>
-            </p:cNvPr>
-            <p:cNvSpPr/>
-            <p:nvPr/>
-          </p:nvSpPr>
-          <p:spPr>
-            <a:xfrm>
-              <a:off x="6890273" y="2476895"/>
-              <a:ext cx="2047671" cy="518854"/>
-            </a:xfrm>
-            <a:prstGeom prst="rect">
-              <a:avLst/>
-            </a:prstGeom>
-            <a:solidFill>
-              <a:schemeClr val="bg1">
-                <a:lumMod val="85000"/>
-                <a:lumOff val="15000"/>
-              </a:schemeClr>
-            </a:solidFill>
-            <a:ln>
-              <a:noFill/>
-            </a:ln>
-          </p:spPr>
-          <p:style>
-            <a:lnRef idx="2">
-              <a:schemeClr val="accent1">
-                <a:shade val="50000"/>
-              </a:schemeClr>
-            </a:lnRef>
-            <a:fillRef idx="1">
-              <a:schemeClr val="accent1"/>
-            </a:fillRef>
-            <a:effectRef idx="0">
-              <a:schemeClr val="accent1"/>
-            </a:effectRef>
-            <a:fontRef idx="minor">
-              <a:schemeClr val="lt1"/>
-            </a:fontRef>
-          </p:style>
-          <p:txBody>
-            <a:bodyPr lIns="45720" tIns="45720" rIns="45720" bIns="72000" rtlCol="0" anchor="b"/>
-            <a:lstStyle/>
-            <a:p>
-              <a:pPr algn="ctr"/>
-              <a:endParaRPr lang="en-US" sz="1600" i="1" dirty="0">
-                <a:solidFill>
-                  <a:schemeClr val="tx1">
-                    <a:lumMod val="75000"/>
-                  </a:schemeClr>
-                </a:solidFill>
-              </a:endParaRPr>
-            </a:p>
-          </p:txBody>
-        </p:sp>
-        <p:pic>
-          <p:nvPicPr>
-            <p:cNvPr id="57" name="Graphic 10" descr="AWS Lambda service icon.">
-              <a:extLst>
-                <a:ext uri="{FF2B5EF4-FFF2-40B4-BE49-F238E27FC236}">
-                  <a16:creationId xmlns:a16="http://schemas.microsoft.com/office/drawing/2014/main" id="{9E6CC547-0C50-41ED-812B-1C7AAAE92C27}"/>
-                </a:ext>
-              </a:extLst>
-            </p:cNvPr>
-            <p:cNvPicPr>
-              <a:picLocks noChangeAspect="1" noChangeArrowheads="1"/>
-            </p:cNvPicPr>
-            <p:nvPr/>
-          </p:nvPicPr>
-          <p:blipFill>
-            <a:blip r:embed="rId2">
-              <a:extLst>
-                <a:ext uri="{96DAC541-7B7A-43D3-8B79-37D633B846F1}">
-                  <asvg:svgBlip xmlns:asvg="http://schemas.microsoft.com/office/drawing/2016/SVG/main" r:embed="rId3"/>
-                </a:ext>
-              </a:extLst>
-            </a:blip>
-            <a:srcRect/>
-            <a:stretch/>
-          </p:blipFill>
-          <p:spPr bwMode="auto">
-            <a:xfrm>
-              <a:off x="6964910" y="2556322"/>
-              <a:ext cx="360000" cy="360000"/>
-            </a:xfrm>
-            <a:prstGeom prst="rect">
-              <a:avLst/>
-            </a:prstGeom>
-            <a:noFill/>
-            <a:ln>
-              <a:noFill/>
-            </a:ln>
-            <a:extLst>
-              <a:ext uri="{909E8E84-426E-40DD-AFC4-6F175D3DCCD1}">
-                <a14:hiddenFill xmlns:a14="http://schemas.microsoft.com/office/drawing/2010/main">
-                  <a:solidFill>
-                    <a:srgbClr val="FFFFFF"/>
-                  </a:solidFill>
-                </a14:hiddenFill>
-              </a:ext>
-              <a:ext uri="{91240B29-F687-4F45-9708-019B960494DF}">
-                <a14:hiddenLine xmlns:a14="http://schemas.microsoft.com/office/drawing/2010/main" w="9525">
-                  <a:solidFill>
-                    <a:srgbClr val="000000"/>
-                  </a:solidFill>
-                  <a:miter lim="800000"/>
-                  <a:headEnd/>
-                  <a:tailEnd/>
-                </a14:hiddenLine>
-              </a:ext>
-            </a:extLst>
-          </p:spPr>
-        </p:pic>
-        <p:sp>
-          <p:nvSpPr>
-            <p:cNvPr id="58" name="TextBox 57">
-              <a:extLst>
-                <a:ext uri="{FF2B5EF4-FFF2-40B4-BE49-F238E27FC236}">
-                  <a16:creationId xmlns:a16="http://schemas.microsoft.com/office/drawing/2014/main" id="{CBA7127B-5107-1349-6A02-1546EA8E77D6}"/>
-                </a:ext>
-              </a:extLst>
-            </p:cNvPr>
-            <p:cNvSpPr txBox="1"/>
-            <p:nvPr/>
-          </p:nvSpPr>
-          <p:spPr>
-            <a:xfrm>
-              <a:off x="7324908" y="2522092"/>
-              <a:ext cx="1613036" cy="461665"/>
-            </a:xfrm>
-            <a:prstGeom prst="rect">
-              <a:avLst/>
-            </a:prstGeom>
-            <a:noFill/>
-          </p:spPr>
-          <p:txBody>
-            <a:bodyPr wrap="square">
-              <a:spAutoFit/>
-            </a:bodyPr>
-            <a:lstStyle/>
-            <a:p>
-              <a:pPr fontAlgn="base">
-                <a:spcBef>
-                  <a:spcPct val="0"/>
-                </a:spcBef>
-                <a:spcAft>
-                  <a:spcPct val="0"/>
-                </a:spcAft>
-              </a:pPr>
-              <a:r>
-                <a:rPr lang="en-US" altLang="en-US" sz="1200" dirty="0">
-                  <a:solidFill>
-                    <a:srgbClr val="FFFFFF"/>
-                  </a:solidFill>
-                  <a:latin typeface="Arial" panose="020B0604020202020204" pitchFamily="34" charset="0"/>
-                  <a:ea typeface="Amazon Ember" panose="020B0603020204020204" pitchFamily="34" charset="0"/>
-                  <a:cs typeface="Arial" panose="020B0604020202020204" pitchFamily="34" charset="0"/>
-                </a:rPr>
-                <a:t>Lambda</a:t>
-              </a:r>
-              <a:br>
-                <a:rPr lang="en-US" altLang="en-US" sz="1200" i="1" dirty="0">
-                  <a:solidFill>
-                    <a:schemeClr val="bg2">
-                      <a:lumMod val="40000"/>
-                      <a:lumOff val="60000"/>
-                    </a:schemeClr>
-                  </a:solidFill>
-                  <a:effectLst>
-                    <a:glow>
-                      <a:schemeClr val="bg1"/>
-                    </a:glow>
-                  </a:effectLst>
-                  <a:ea typeface="Amazon Ember" panose="020B0603020204020204" pitchFamily="34" charset="0"/>
-                  <a:cs typeface="Arial" panose="020B0604020202020204" pitchFamily="34" charset="0"/>
-                </a:rPr>
-              </a:br>
-              <a:r>
-                <a:rPr lang="en-US" altLang="en-US" sz="1200" i="1" dirty="0">
-                  <a:solidFill>
-                    <a:schemeClr val="bg2">
-                      <a:lumMod val="40000"/>
-                      <a:lumOff val="60000"/>
-                    </a:schemeClr>
-                  </a:solidFill>
-                  <a:effectLst>
-                    <a:glow>
-                      <a:schemeClr val="bg1"/>
-                    </a:glow>
-                  </a:effectLst>
-                  <a:ea typeface="Amazon Ember" panose="020B0603020204020204" pitchFamily="34" charset="0"/>
-                  <a:cs typeface="Arial" panose="020B0604020202020204" pitchFamily="34" charset="0"/>
-                </a:rPr>
-                <a:t>wallet handlers</a:t>
-              </a:r>
-            </a:p>
-          </p:txBody>
-        </p:sp>
-      </p:grpSp>
-      <p:sp>
-        <p:nvSpPr>
-          <p:cNvPr id="2" name="Rectangle 1">
-            <a:extLst>
-              <a:ext uri="{FF2B5EF4-FFF2-40B4-BE49-F238E27FC236}">
-                <a16:creationId xmlns:a16="http://schemas.microsoft.com/office/drawing/2014/main" id="{124BA9E3-216F-F213-34C1-C16F30FBBC14}"/>
-              </a:ext>
-            </a:extLst>
-          </p:cNvPr>
-          <p:cNvSpPr/>
-          <p:nvPr/>
-        </p:nvSpPr>
-        <p:spPr>
-          <a:xfrm>
-            <a:off x="1848303" y="1377621"/>
-            <a:ext cx="8532313" cy="3020208"/>
-          </a:xfrm>
-          <a:prstGeom prst="rect">
-            <a:avLst/>
-          </a:prstGeom>
-          <a:noFill/>
-          <a:ln w="15875" cap="flat" cmpd="sng" algn="ctr">
-            <a:solidFill>
-              <a:srgbClr val="FFFFFF"/>
-            </a:solidFill>
-            <a:prstDash val="solid"/>
-            <a:miter lim="800000"/>
-          </a:ln>
-          <a:effectLst/>
-        </p:spPr>
-        <p:txBody>
-          <a:bodyPr lIns="502920" tIns="91440"/>
-          <a:lstStyle/>
-          <a:p>
-            <a:pPr marL="0" marR="0" lvl="0" indent="0" defTabSz="914400" eaLnBrk="1" fontAlgn="auto" latinLnBrk="0" hangingPunct="1">
-              <a:lnSpc>
-                <a:spcPct val="100000"/>
-              </a:lnSpc>
-              <a:spcBef>
-                <a:spcPts val="0"/>
-              </a:spcBef>
-              <a:spcAft>
-                <a:spcPts val="0"/>
-              </a:spcAft>
-              <a:buClrTx/>
-              <a:buSzTx/>
-              <a:buFontTx/>
-              <a:buNone/>
-              <a:tabLst/>
-              <a:defRPr/>
-            </a:pPr>
-            <a:endParaRPr kumimoji="0" lang="en-US" sz="1200" b="0" i="0" u="none" strike="noStrike" kern="0" cap="none" spc="0" normalizeH="0" baseline="0" noProof="0" dirty="0">
-              <a:ln>
-                <a:noFill/>
-              </a:ln>
-              <a:solidFill>
-                <a:srgbClr val="FFFFFF"/>
-              </a:solidFill>
-              <a:effectLst/>
-              <a:uLnTx/>
-              <a:uFillTx/>
-              <a:latin typeface="Arial" panose="020B0604020202020204" pitchFamily="34" charset="0"/>
-              <a:ea typeface="+mn-ea"/>
-              <a:cs typeface="Arial" panose="020B0604020202020204" pitchFamily="34" charset="0"/>
-            </a:endParaRPr>
-          </a:p>
-        </p:txBody>
-      </p:sp>
-      <p:pic>
-        <p:nvPicPr>
-          <p:cNvPr id="3" name="Graphic 2">
-            <a:extLst>
-              <a:ext uri="{FF2B5EF4-FFF2-40B4-BE49-F238E27FC236}">
-                <a16:creationId xmlns:a16="http://schemas.microsoft.com/office/drawing/2014/main" id="{4C971948-4C68-AED1-EF09-5B86E322632A}"/>
-              </a:ext>
-            </a:extLst>
-          </p:cNvPr>
-          <p:cNvPicPr>
-            <a:picLocks noChangeAspect="1"/>
-          </p:cNvPicPr>
-          <p:nvPr/>
-        </p:nvPicPr>
-        <p:blipFill>
-          <a:blip r:embed="rId4">
-            <a:extLst>
-              <a:ext uri="{96DAC541-7B7A-43D3-8B79-37D633B846F1}">
-                <asvg:svgBlip xmlns:asvg="http://schemas.microsoft.com/office/drawing/2016/SVG/main" r:embed="rId5"/>
-              </a:ext>
-            </a:extLst>
-          </a:blip>
-          <a:srcRect/>
-          <a:stretch/>
-        </p:blipFill>
-        <p:spPr>
-          <a:xfrm>
-            <a:off x="1841040" y="1378473"/>
-            <a:ext cx="381000" cy="381000"/>
-          </a:xfrm>
-          <a:prstGeom prst="rect">
-            <a:avLst/>
-          </a:prstGeom>
-        </p:spPr>
-      </p:pic>
-      <p:sp>
-        <p:nvSpPr>
-          <p:cNvPr id="4" name="Rectangle 3">
-            <a:extLst>
-              <a:ext uri="{FF2B5EF4-FFF2-40B4-BE49-F238E27FC236}">
-                <a16:creationId xmlns:a16="http://schemas.microsoft.com/office/drawing/2014/main" id="{E9C5BC24-E2B5-9F19-0450-910C5D09D764}"/>
-              </a:ext>
-            </a:extLst>
-          </p:cNvPr>
-          <p:cNvSpPr/>
-          <p:nvPr/>
-        </p:nvSpPr>
-        <p:spPr>
-          <a:xfrm>
-            <a:off x="8216299" y="1545112"/>
-            <a:ext cx="2016191" cy="393887"/>
-          </a:xfrm>
-          <a:prstGeom prst="rect">
-            <a:avLst/>
-          </a:prstGeom>
-          <a:solidFill>
-            <a:schemeClr val="bg1">
-              <a:lumMod val="85000"/>
-              <a:lumOff val="15000"/>
-            </a:schemeClr>
-          </a:solidFill>
-          <a:ln w="28575">
-            <a:solidFill>
-              <a:schemeClr val="tx1">
-                <a:lumMod val="50000"/>
-              </a:schemeClr>
-            </a:solidFill>
-            <a:prstDash val="solid"/>
-          </a:ln>
-        </p:spPr>
-        <p:style>
-          <a:lnRef idx="2">
-            <a:schemeClr val="accent1">
-              <a:shade val="50000"/>
-            </a:schemeClr>
-          </a:lnRef>
-          <a:fillRef idx="1">
-            <a:schemeClr val="accent1"/>
-          </a:fillRef>
-          <a:effectRef idx="0">
-            <a:schemeClr val="accent1"/>
-          </a:effectRef>
-          <a:fontRef idx="minor">
-            <a:schemeClr val="lt1"/>
-          </a:fontRef>
-        </p:style>
-        <p:txBody>
-          <a:bodyPr lIns="144000" tIns="144000" rIns="144000" bIns="144000" anchor="ctr"/>
-          <a:lstStyle/>
-          <a:p>
-            <a:pPr algn="ctr"/>
-            <a:r>
-              <a:rPr lang="en-GB" sz="2400" baseline="-9000" dirty="0">
-                <a:solidFill>
-                  <a:schemeClr val="bg2">
-                    <a:lumMod val="40000"/>
-                    <a:lumOff val="60000"/>
-                  </a:schemeClr>
-                </a:solidFill>
-                <a:effectLst>
-                  <a:glow>
-                    <a:schemeClr val="bg1"/>
-                  </a:glow>
-                </a:effectLst>
-              </a:rPr>
-              <a:t>📨</a:t>
-            </a:r>
-            <a:r>
-              <a:rPr lang="en-GB" dirty="0">
-                <a:solidFill>
-                  <a:sysClr val="windowText" lastClr="000000"/>
-                </a:solidFill>
-                <a:latin typeface="+mj-lt"/>
-                <a:cs typeface="Arial" panose="020B0604020202020204" pitchFamily="34" charset="0"/>
-              </a:rPr>
-              <a:t> </a:t>
-            </a:r>
-            <a:r>
-              <a:rPr lang="en-GB" dirty="0">
-                <a:solidFill>
-                  <a:schemeClr val="tx1"/>
-                </a:solidFill>
-                <a:latin typeface="+mj-lt"/>
-                <a:cs typeface="Arial" panose="020B0604020202020204" pitchFamily="34" charset="0"/>
-              </a:rPr>
-              <a:t>Inbox</a:t>
-            </a:r>
-          </a:p>
-        </p:txBody>
-      </p:sp>
-      <p:grpSp>
-        <p:nvGrpSpPr>
-          <p:cNvPr id="5" name="Group 4">
-            <a:extLst>
-              <a:ext uri="{FF2B5EF4-FFF2-40B4-BE49-F238E27FC236}">
-                <a16:creationId xmlns:a16="http://schemas.microsoft.com/office/drawing/2014/main" id="{2B5B58A3-BB23-87BC-0AC2-D31BE6BE0F92}"/>
-              </a:ext>
-            </a:extLst>
-          </p:cNvPr>
-          <p:cNvGrpSpPr/>
-          <p:nvPr/>
-        </p:nvGrpSpPr>
-        <p:grpSpPr>
-          <a:xfrm>
-            <a:off x="8202325" y="2011279"/>
-            <a:ext cx="2052832" cy="518854"/>
-            <a:chOff x="4537167" y="5246272"/>
-            <a:chExt cx="2052832" cy="518854"/>
-          </a:xfrm>
-        </p:grpSpPr>
-        <p:grpSp>
-          <p:nvGrpSpPr>
-            <p:cNvPr id="6" name="Group 5">
-              <a:extLst>
-                <a:ext uri="{FF2B5EF4-FFF2-40B4-BE49-F238E27FC236}">
-                  <a16:creationId xmlns:a16="http://schemas.microsoft.com/office/drawing/2014/main" id="{47AD580F-40E5-CE16-60A8-08D62F9DF307}"/>
-                </a:ext>
-              </a:extLst>
-            </p:cNvPr>
-            <p:cNvGrpSpPr/>
-            <p:nvPr/>
-          </p:nvGrpSpPr>
-          <p:grpSpPr>
-            <a:xfrm>
-              <a:off x="4537167" y="5246272"/>
-              <a:ext cx="2052832" cy="518854"/>
-              <a:chOff x="6440267" y="2476895"/>
-              <a:chExt cx="2052832" cy="518854"/>
-            </a:xfrm>
-          </p:grpSpPr>
-          <p:sp>
-            <p:nvSpPr>
-              <p:cNvPr id="8" name="Rectangle 7">
-                <a:extLst>
-                  <a:ext uri="{FF2B5EF4-FFF2-40B4-BE49-F238E27FC236}">
-                    <a16:creationId xmlns:a16="http://schemas.microsoft.com/office/drawing/2014/main" id="{14FCFA81-BFD9-CF41-387A-2ED74AC42EFC}"/>
-                  </a:ext>
-                </a:extLst>
-              </p:cNvPr>
-              <p:cNvSpPr/>
-              <p:nvPr/>
-            </p:nvSpPr>
-            <p:spPr>
-              <a:xfrm>
-                <a:off x="6440267" y="2476895"/>
-                <a:ext cx="2052832" cy="518854"/>
-              </a:xfrm>
-              <a:prstGeom prst="rect">
-                <a:avLst/>
-              </a:prstGeom>
-              <a:solidFill>
-                <a:schemeClr val="bg1">
-                  <a:lumMod val="85000"/>
-                  <a:lumOff val="15000"/>
-                </a:schemeClr>
-              </a:solidFill>
-              <a:ln>
-                <a:noFill/>
-              </a:ln>
-            </p:spPr>
-            <p:style>
-              <a:lnRef idx="2">
-                <a:schemeClr val="accent1">
-                  <a:shade val="50000"/>
-                </a:schemeClr>
-              </a:lnRef>
-              <a:fillRef idx="1">
-                <a:schemeClr val="accent1"/>
-              </a:fillRef>
-              <a:effectRef idx="0">
-                <a:schemeClr val="accent1"/>
-              </a:effectRef>
-              <a:fontRef idx="minor">
-                <a:schemeClr val="lt1"/>
-              </a:fontRef>
-            </p:style>
-            <p:txBody>
-              <a:bodyPr lIns="45720" tIns="45720" rIns="45720" bIns="72000" rtlCol="0" anchor="b"/>
-              <a:lstStyle/>
-              <a:p>
-                <a:pPr algn="ctr"/>
-                <a:endParaRPr lang="en-US" sz="1600" i="1" dirty="0">
-                  <a:solidFill>
-                    <a:schemeClr val="tx1">
-                      <a:lumMod val="75000"/>
-                    </a:schemeClr>
-                  </a:solidFill>
-                </a:endParaRPr>
-              </a:p>
-            </p:txBody>
-          </p:sp>
-          <p:pic>
-            <p:nvPicPr>
-              <p:cNvPr id="9" name="Graphic 10" descr="AWS Lambda service icon.">
-                <a:extLst>
-                  <a:ext uri="{FF2B5EF4-FFF2-40B4-BE49-F238E27FC236}">
-                    <a16:creationId xmlns:a16="http://schemas.microsoft.com/office/drawing/2014/main" id="{5A34C565-BF61-F7DB-55D4-1B7B9D728A56}"/>
-                  </a:ext>
-                </a:extLst>
-              </p:cNvPr>
-              <p:cNvPicPr>
-                <a:picLocks noChangeAspect="1" noChangeArrowheads="1"/>
-              </p:cNvPicPr>
-              <p:nvPr/>
-            </p:nvPicPr>
-            <p:blipFill>
-              <a:blip r:embed="rId2">
-                <a:extLst>
-                  <a:ext uri="{96DAC541-7B7A-43D3-8B79-37D633B846F1}">
-                    <asvg:svgBlip xmlns:asvg="http://schemas.microsoft.com/office/drawing/2016/SVG/main" r:embed="rId3"/>
-                  </a:ext>
-                </a:extLst>
-              </a:blip>
-              <a:srcRect/>
-              <a:stretch/>
-            </p:blipFill>
-            <p:spPr bwMode="auto">
-              <a:xfrm>
-                <a:off x="6956201" y="2556322"/>
-                <a:ext cx="360000" cy="360000"/>
-              </a:xfrm>
-              <a:prstGeom prst="rect">
-                <a:avLst/>
-              </a:prstGeom>
-              <a:noFill/>
-              <a:ln>
-                <a:noFill/>
-              </a:ln>
-              <a:extLst>
-                <a:ext uri="{909E8E84-426E-40DD-AFC4-6F175D3DCCD1}">
-                  <a14:hiddenFill xmlns:a14="http://schemas.microsoft.com/office/drawing/2010/main">
-                    <a:solidFill>
-                      <a:srgbClr val="FFFFFF"/>
-                    </a:solidFill>
-                  </a14:hiddenFill>
-                </a:ext>
-                <a:ext uri="{91240B29-F687-4F45-9708-019B960494DF}">
-                  <a14:hiddenLine xmlns:a14="http://schemas.microsoft.com/office/drawing/2010/main" w="9525">
-                    <a:solidFill>
-                      <a:srgbClr val="000000"/>
-                    </a:solidFill>
-                    <a:miter lim="800000"/>
-                    <a:headEnd/>
-                    <a:tailEnd/>
-                  </a14:hiddenLine>
-                </a:ext>
-              </a:extLst>
-            </p:spPr>
-          </p:pic>
-          <p:sp>
-            <p:nvSpPr>
-              <p:cNvPr id="10" name="TextBox 9">
-                <a:extLst>
-                  <a:ext uri="{FF2B5EF4-FFF2-40B4-BE49-F238E27FC236}">
-                    <a16:creationId xmlns:a16="http://schemas.microsoft.com/office/drawing/2014/main" id="{A51224DF-2F8A-2998-EFCD-01DF8B9577C7}"/>
-                  </a:ext>
-                </a:extLst>
-              </p:cNvPr>
-              <p:cNvSpPr txBox="1"/>
-              <p:nvPr/>
-            </p:nvSpPr>
-            <p:spPr>
-              <a:xfrm>
-                <a:off x="7316199" y="2513383"/>
-                <a:ext cx="1143148" cy="461665"/>
-              </a:xfrm>
-              <a:prstGeom prst="rect">
-                <a:avLst/>
-              </a:prstGeom>
-              <a:noFill/>
-            </p:spPr>
-            <p:txBody>
-              <a:bodyPr wrap="square">
-                <a:spAutoFit/>
-              </a:bodyPr>
-              <a:lstStyle/>
-              <a:p>
-                <a:pPr fontAlgn="base">
-                  <a:spcBef>
-                    <a:spcPct val="0"/>
-                  </a:spcBef>
-                  <a:spcAft>
-                    <a:spcPct val="0"/>
-                  </a:spcAft>
-                </a:pPr>
-                <a:r>
-                  <a:rPr lang="en-US" altLang="en-US" sz="1200" dirty="0">
-                    <a:solidFill>
-                      <a:srgbClr val="FFFFFF"/>
-                    </a:solidFill>
-                    <a:latin typeface="Arial" panose="020B0604020202020204" pitchFamily="34" charset="0"/>
-                    <a:ea typeface="Amazon Ember" panose="020B0603020204020204" pitchFamily="34" charset="0"/>
-                    <a:cs typeface="Arial" panose="020B0604020202020204" pitchFamily="34" charset="0"/>
-                  </a:rPr>
-                  <a:t>SQS, Lambda</a:t>
-                </a:r>
-                <a:br>
-                  <a:rPr lang="en-US" altLang="en-US" sz="1200" i="1" dirty="0">
-                    <a:solidFill>
-                      <a:schemeClr val="bg2">
-                        <a:lumMod val="40000"/>
-                        <a:lumOff val="60000"/>
-                      </a:schemeClr>
-                    </a:solidFill>
-                    <a:effectLst>
-                      <a:glow>
-                        <a:schemeClr val="bg1"/>
-                      </a:glow>
-                    </a:effectLst>
-                    <a:ea typeface="Amazon Ember" panose="020B0603020204020204" pitchFamily="34" charset="0"/>
-                    <a:cs typeface="Arial" panose="020B0604020202020204" pitchFamily="34" charset="0"/>
-                  </a:rPr>
-                </a:br>
-                <a:r>
-                  <a:rPr lang="en-US" altLang="en-US" sz="1200" i="1" dirty="0">
-                    <a:solidFill>
-                      <a:schemeClr val="bg2">
-                        <a:lumMod val="40000"/>
-                        <a:lumOff val="60000"/>
-                      </a:schemeClr>
-                    </a:solidFill>
-                    <a:effectLst>
-                      <a:glow>
-                        <a:schemeClr val="bg1"/>
-                      </a:glow>
-                    </a:effectLst>
-                    <a:ea typeface="Amazon Ember" panose="020B0603020204020204" pitchFamily="34" charset="0"/>
-                    <a:cs typeface="Arial" panose="020B0604020202020204" pitchFamily="34" charset="0"/>
-                  </a:rPr>
-                  <a:t>notifications</a:t>
-                </a:r>
-              </a:p>
-            </p:txBody>
-          </p:sp>
-        </p:grpSp>
-        <p:pic>
-          <p:nvPicPr>
-            <p:cNvPr id="7" name="Graphic 26" descr="Amazon Simple Queue Service (Amazon SQS) service icon.">
-              <a:extLst>
-                <a:ext uri="{FF2B5EF4-FFF2-40B4-BE49-F238E27FC236}">
-                  <a16:creationId xmlns:a16="http://schemas.microsoft.com/office/drawing/2014/main" id="{0F78BD50-E001-966E-C4B6-75CF6E3A8498}"/>
-                </a:ext>
-              </a:extLst>
-            </p:cNvPr>
-            <p:cNvPicPr>
-              <a:picLocks noChangeAspect="1" noChangeArrowheads="1"/>
-            </p:cNvPicPr>
-            <p:nvPr/>
-          </p:nvPicPr>
-          <p:blipFill>
-            <a:blip r:embed="rId6">
-              <a:extLst>
-                <a:ext uri="{96DAC541-7B7A-43D3-8B79-37D633B846F1}">
-                  <asvg:svgBlip xmlns:asvg="http://schemas.microsoft.com/office/drawing/2016/SVG/main" r:embed="rId7"/>
-                </a:ext>
-              </a:extLst>
-            </a:blip>
-            <a:srcRect/>
-            <a:stretch/>
-          </p:blipFill>
-          <p:spPr bwMode="auto">
-            <a:xfrm>
-              <a:off x="4618464" y="5325699"/>
-              <a:ext cx="360000" cy="360000"/>
-            </a:xfrm>
-            <a:prstGeom prst="rect">
-              <a:avLst/>
-            </a:prstGeom>
-            <a:noFill/>
-            <a:ln>
-              <a:noFill/>
-            </a:ln>
-            <a:extLst>
-              <a:ext uri="{909E8E84-426E-40DD-AFC4-6F175D3DCCD1}">
-                <a14:hiddenFill xmlns:a14="http://schemas.microsoft.com/office/drawing/2010/main">
-                  <a:solidFill>
-                    <a:srgbClr val="FFFFFF"/>
-                  </a:solidFill>
-                </a14:hiddenFill>
-              </a:ext>
-              <a:ext uri="{91240B29-F687-4F45-9708-019B960494DF}">
-                <a14:hiddenLine xmlns:a14="http://schemas.microsoft.com/office/drawing/2010/main" w="9525">
-                  <a:solidFill>
-                    <a:srgbClr val="000000"/>
-                  </a:solidFill>
-                  <a:miter lim="800000"/>
-                  <a:headEnd/>
-                  <a:tailEnd/>
-                </a14:hiddenLine>
-              </a:ext>
-            </a:extLst>
-          </p:spPr>
-        </p:pic>
-      </p:grpSp>
-      <p:grpSp>
-        <p:nvGrpSpPr>
-          <p:cNvPr id="17" name="Group 16">
-            <a:extLst>
-              <a:ext uri="{FF2B5EF4-FFF2-40B4-BE49-F238E27FC236}">
-                <a16:creationId xmlns:a16="http://schemas.microsoft.com/office/drawing/2014/main" id="{2D883EFC-75AD-2EA7-D5DA-4DEEB740F590}"/>
-              </a:ext>
-            </a:extLst>
-          </p:cNvPr>
-          <p:cNvGrpSpPr/>
-          <p:nvPr/>
-        </p:nvGrpSpPr>
-        <p:grpSpPr>
-          <a:xfrm>
-            <a:off x="5577931" y="232990"/>
-            <a:ext cx="1492051" cy="924365"/>
-            <a:chOff x="554463" y="2325477"/>
-            <a:chExt cx="1492051" cy="924365"/>
-          </a:xfrm>
-        </p:grpSpPr>
-        <p:sp>
-          <p:nvSpPr>
-            <p:cNvPr id="11" name="Rectangle 10">
-              <a:extLst>
-                <a:ext uri="{FF2B5EF4-FFF2-40B4-BE49-F238E27FC236}">
-                  <a16:creationId xmlns:a16="http://schemas.microsoft.com/office/drawing/2014/main" id="{1B0B8031-7A82-1599-F06C-A06E549035F3}"/>
-                </a:ext>
-              </a:extLst>
-            </p:cNvPr>
-            <p:cNvSpPr/>
-            <p:nvPr/>
-          </p:nvSpPr>
-          <p:spPr>
-            <a:xfrm>
-              <a:off x="626736" y="2667408"/>
-              <a:ext cx="1362651" cy="439561"/>
-            </a:xfrm>
-            <a:prstGeom prst="rect">
-              <a:avLst/>
-            </a:prstGeom>
-            <a:solidFill>
-              <a:schemeClr val="tx1">
-                <a:lumMod val="95000"/>
-              </a:schemeClr>
-            </a:solidFill>
-            <a:ln w="28575">
-              <a:solidFill>
-                <a:schemeClr val="tx1">
-                  <a:lumMod val="50000"/>
-                </a:schemeClr>
-              </a:solidFill>
-              <a:prstDash val="solid"/>
-            </a:ln>
-          </p:spPr>
-          <p:style>
-            <a:lnRef idx="2">
-              <a:schemeClr val="accent1">
-                <a:shade val="50000"/>
-              </a:schemeClr>
-            </a:lnRef>
-            <a:fillRef idx="1">
-              <a:schemeClr val="accent1"/>
-            </a:fillRef>
-            <a:effectRef idx="0">
-              <a:schemeClr val="accent1"/>
-            </a:effectRef>
-            <a:fontRef idx="minor">
-              <a:schemeClr val="lt1"/>
-            </a:fontRef>
-          </p:style>
-          <p:txBody>
-            <a:bodyPr lIns="144000" tIns="144000" rIns="72000" bIns="144000" anchor="ctr"/>
-            <a:lstStyle/>
-            <a:p>
-              <a:pPr>
-                <a:defRPr/>
-              </a:pPr>
-              <a:r>
-                <a:rPr lang="en-GB" sz="2000" dirty="0">
-                  <a:solidFill>
-                    <a:sysClr val="windowText" lastClr="000000"/>
-                  </a:solidFill>
-                  <a:latin typeface="+mj-lt"/>
-                  <a:cs typeface="Arial" panose="020B0604020202020204" pitchFamily="34" charset="0"/>
-                </a:rPr>
-                <a:t>     Broker</a:t>
-              </a:r>
-            </a:p>
-          </p:txBody>
-        </p:sp>
-        <p:sp>
-          <p:nvSpPr>
-            <p:cNvPr id="12" name="Rectangle 11">
-              <a:extLst>
-                <a:ext uri="{FF2B5EF4-FFF2-40B4-BE49-F238E27FC236}">
-                  <a16:creationId xmlns:a16="http://schemas.microsoft.com/office/drawing/2014/main" id="{404D24EA-EFA1-926F-96E1-F813361B1CA2}"/>
-                </a:ext>
-              </a:extLst>
-            </p:cNvPr>
-            <p:cNvSpPr/>
-            <p:nvPr/>
-          </p:nvSpPr>
-          <p:spPr>
-            <a:xfrm>
-              <a:off x="554463" y="2325477"/>
-              <a:ext cx="1492051" cy="844443"/>
-            </a:xfrm>
-            <a:prstGeom prst="rect">
-              <a:avLst/>
-            </a:prstGeom>
-            <a:noFill/>
-            <a:ln w="12700">
-              <a:solidFill>
-                <a:srgbClr val="5A6B86"/>
-              </a:solidFill>
-              <a:prstDash val="dash"/>
-            </a:ln>
-          </p:spPr>
-          <p:style>
-            <a:lnRef idx="2">
-              <a:schemeClr val="accent1">
-                <a:shade val="50000"/>
-              </a:schemeClr>
-            </a:lnRef>
-            <a:fillRef idx="1">
-              <a:schemeClr val="accent1"/>
-            </a:fillRef>
-            <a:effectRef idx="0">
-              <a:schemeClr val="accent1"/>
-            </a:effectRef>
-            <a:fontRef idx="minor">
-              <a:schemeClr val="lt1"/>
-            </a:fontRef>
-          </p:style>
-          <p:txBody>
-            <a:bodyPr tIns="36000"/>
-            <a:lstStyle/>
-            <a:p>
-              <a:pPr eaLnBrk="1" fontAlgn="auto" hangingPunct="1">
-                <a:spcBef>
-                  <a:spcPts val="0"/>
-                </a:spcBef>
-                <a:spcAft>
-                  <a:spcPts val="0"/>
-                </a:spcAft>
-                <a:defRPr/>
-              </a:pPr>
-              <a:r>
-                <a:rPr lang="en-GB" dirty="0">
-                  <a:solidFill>
-                    <a:schemeClr val="bg2">
-                      <a:lumMod val="40000"/>
-                      <a:lumOff val="60000"/>
-                    </a:schemeClr>
-                  </a:solidFill>
-                  <a:effectLst>
-                    <a:glow>
-                      <a:schemeClr val="bg1"/>
-                    </a:glow>
-                  </a:effectLst>
-                </a:rPr>
-                <a:t>👥</a:t>
-              </a:r>
-              <a:r>
-                <a:rPr lang="en-GB" i="1" dirty="0">
-                  <a:solidFill>
-                    <a:schemeClr val="bg2">
-                      <a:lumMod val="40000"/>
-                      <a:lumOff val="60000"/>
-                    </a:schemeClr>
-                  </a:solidFill>
-                  <a:effectLst>
-                    <a:glow>
-                      <a:schemeClr val="bg1"/>
-                    </a:glow>
-                  </a:effectLst>
-                </a:rPr>
-                <a:t> </a:t>
-              </a:r>
-              <a:r>
-                <a:rPr lang="en-US" i="1" dirty="0">
-                  <a:solidFill>
-                    <a:schemeClr val="bg2">
-                      <a:lumMod val="40000"/>
-                      <a:lumOff val="60000"/>
-                    </a:schemeClr>
-                  </a:solidFill>
-                  <a:effectLst>
-                    <a:glow>
-                      <a:schemeClr val="bg1"/>
-                    </a:glow>
-                  </a:effectLst>
-                </a:rPr>
-                <a:t>domain</a:t>
-              </a:r>
-            </a:p>
-          </p:txBody>
-        </p:sp>
-        <p:sp>
-          <p:nvSpPr>
-            <p:cNvPr id="16" name="TextBox 15">
-              <a:extLst>
-                <a:ext uri="{FF2B5EF4-FFF2-40B4-BE49-F238E27FC236}">
-                  <a16:creationId xmlns:a16="http://schemas.microsoft.com/office/drawing/2014/main" id="{5A4E31D0-DA62-E5AA-A3F8-C8733749A72D}"/>
-                </a:ext>
-              </a:extLst>
-            </p:cNvPr>
-            <p:cNvSpPr txBox="1"/>
-            <p:nvPr/>
-          </p:nvSpPr>
-          <p:spPr>
-            <a:xfrm>
-              <a:off x="607522" y="2541956"/>
-              <a:ext cx="502683" cy="707886"/>
-            </a:xfrm>
-            <a:prstGeom prst="rect">
-              <a:avLst/>
-            </a:prstGeom>
-            <a:noFill/>
-          </p:spPr>
-          <p:txBody>
-            <a:bodyPr wrap="square">
-              <a:spAutoFit/>
-            </a:bodyPr>
-            <a:lstStyle/>
-            <a:p>
-              <a:r>
-                <a:rPr lang="en-GB" sz="4000" baseline="-9000" dirty="0">
-                  <a:solidFill>
-                    <a:schemeClr val="bg2">
-                      <a:lumMod val="40000"/>
-                      <a:lumOff val="60000"/>
-                    </a:schemeClr>
-                  </a:solidFill>
-                  <a:effectLst>
-                    <a:glow>
-                      <a:schemeClr val="bg1"/>
-                    </a:glow>
-                  </a:effectLst>
-                </a:rPr>
-                <a:t>🤵</a:t>
-              </a:r>
-              <a:endParaRPr lang="en-US" sz="4000" dirty="0"/>
-            </a:p>
-          </p:txBody>
-        </p:sp>
-      </p:grpSp>
-      <p:cxnSp>
-        <p:nvCxnSpPr>
-          <p:cNvPr id="19" name="Straight Arrow Connector 12">
-            <a:extLst>
-              <a:ext uri="{FF2B5EF4-FFF2-40B4-BE49-F238E27FC236}">
-                <a16:creationId xmlns:a16="http://schemas.microsoft.com/office/drawing/2014/main" id="{5E61EBBC-66A3-8F38-2B9D-A7F77B100FFD}"/>
-              </a:ext>
-            </a:extLst>
-          </p:cNvPr>
-          <p:cNvCxnSpPr>
-            <a:cxnSpLocks/>
-            <a:stCxn id="91" idx="0"/>
-            <a:endCxn id="12" idx="1"/>
-          </p:cNvCxnSpPr>
-          <p:nvPr/>
-        </p:nvCxnSpPr>
-        <p:spPr>
-          <a:xfrm rot="5400000" flipH="1" flipV="1">
-            <a:off x="4320570" y="294547"/>
-            <a:ext cx="896696" cy="1618026"/>
-          </a:xfrm>
-          <a:prstGeom prst="bentConnector2">
-            <a:avLst/>
-          </a:prstGeom>
-          <a:ln w="19050" cap="rnd">
-            <a:solidFill>
-              <a:schemeClr val="tx1">
-                <a:lumMod val="75000"/>
-              </a:schemeClr>
-            </a:solidFill>
-            <a:round/>
-            <a:tailEnd type="triangle" w="lg" len="lg"/>
-          </a:ln>
-        </p:spPr>
-        <p:style>
-          <a:lnRef idx="1">
-            <a:schemeClr val="accent1"/>
-          </a:lnRef>
-          <a:fillRef idx="0">
-            <a:schemeClr val="accent1"/>
-          </a:fillRef>
-          <a:effectRef idx="0">
-            <a:schemeClr val="accent1"/>
-          </a:effectRef>
-          <a:fontRef idx="minor">
-            <a:schemeClr val="tx1"/>
-          </a:fontRef>
-        </p:style>
-      </p:cxnSp>
-      <p:cxnSp>
-        <p:nvCxnSpPr>
-          <p:cNvPr id="22" name="Straight Arrow Connector 12">
-            <a:extLst>
-              <a:ext uri="{FF2B5EF4-FFF2-40B4-BE49-F238E27FC236}">
-                <a16:creationId xmlns:a16="http://schemas.microsoft.com/office/drawing/2014/main" id="{ABE7B90B-09C6-6F41-A0D8-C0678B4B55B6}"/>
-              </a:ext>
-            </a:extLst>
-          </p:cNvPr>
-          <p:cNvCxnSpPr>
-            <a:cxnSpLocks/>
-            <a:stCxn id="12" idx="3"/>
-            <a:endCxn id="4" idx="0"/>
-          </p:cNvCxnSpPr>
-          <p:nvPr/>
-        </p:nvCxnSpPr>
-        <p:spPr>
-          <a:xfrm>
-            <a:off x="7069982" y="655212"/>
-            <a:ext cx="2154413" cy="889900"/>
-          </a:xfrm>
-          <a:prstGeom prst="bentConnector2">
-            <a:avLst/>
-          </a:prstGeom>
-          <a:ln w="19050" cap="rnd">
-            <a:solidFill>
-              <a:schemeClr val="tx1">
-                <a:lumMod val="75000"/>
-              </a:schemeClr>
-            </a:solidFill>
-            <a:round/>
-            <a:tailEnd type="triangle" w="lg" len="lg"/>
-          </a:ln>
-        </p:spPr>
-        <p:style>
-          <a:lnRef idx="1">
-            <a:schemeClr val="accent1"/>
-          </a:lnRef>
-          <a:fillRef idx="0">
-            <a:schemeClr val="accent1"/>
-          </a:fillRef>
-          <a:effectRef idx="0">
-            <a:schemeClr val="accent1"/>
-          </a:effectRef>
-          <a:fontRef idx="minor">
-            <a:schemeClr val="tx1"/>
-          </a:fontRef>
-        </p:style>
-      </p:cxnSp>
-      <p:sp>
-        <p:nvSpPr>
-          <p:cNvPr id="25" name="Rectangle 24">
-            <a:extLst>
-              <a:ext uri="{FF2B5EF4-FFF2-40B4-BE49-F238E27FC236}">
-                <a16:creationId xmlns:a16="http://schemas.microsoft.com/office/drawing/2014/main" id="{3C43FA0D-5210-2269-DF73-E9A739C0D471}"/>
-              </a:ext>
-            </a:extLst>
-          </p:cNvPr>
-          <p:cNvSpPr/>
-          <p:nvPr/>
-        </p:nvSpPr>
-        <p:spPr>
-          <a:xfrm>
-            <a:off x="2403557" y="1547909"/>
-            <a:ext cx="969060" cy="391090"/>
-          </a:xfrm>
-          <a:prstGeom prst="rect">
-            <a:avLst/>
-          </a:prstGeom>
-          <a:solidFill>
-            <a:schemeClr val="accent5">
-              <a:lumMod val="20000"/>
-              <a:lumOff val="80000"/>
-            </a:schemeClr>
-          </a:solidFill>
-          <a:ln w="28575">
-            <a:solidFill>
-              <a:schemeClr val="tx1">
-                <a:lumMod val="50000"/>
-              </a:schemeClr>
-            </a:solidFill>
-            <a:prstDash val="solid"/>
-          </a:ln>
-        </p:spPr>
-        <p:style>
-          <a:lnRef idx="2">
-            <a:schemeClr val="accent1">
-              <a:shade val="50000"/>
-            </a:schemeClr>
-          </a:lnRef>
-          <a:fillRef idx="1">
-            <a:schemeClr val="accent1"/>
-          </a:fillRef>
-          <a:effectRef idx="0">
-            <a:schemeClr val="accent1"/>
-          </a:effectRef>
-          <a:fontRef idx="minor">
-            <a:schemeClr val="lt1"/>
-          </a:fontRef>
-        </p:style>
-        <p:txBody>
-          <a:bodyPr lIns="0" tIns="144000" rIns="0" bIns="144000" anchor="ctr"/>
-          <a:lstStyle/>
-          <a:p>
-            <a:pPr algn="ctr"/>
-            <a:r>
-              <a:rPr lang="en-GB" sz="2400" baseline="-9000" dirty="0">
-                <a:solidFill>
-                  <a:schemeClr val="bg2">
-                    <a:lumMod val="40000"/>
-                    <a:lumOff val="60000"/>
-                  </a:schemeClr>
-                </a:solidFill>
-                <a:effectLst>
-                  <a:glow>
-                    <a:schemeClr val="bg1"/>
-                  </a:glow>
-                </a:effectLst>
-              </a:rPr>
-              <a:t>🚀</a:t>
-            </a:r>
-            <a:r>
-              <a:rPr lang="en-GB" sz="2800" baseline="-9000" dirty="0">
-                <a:solidFill>
-                  <a:schemeClr val="tx1"/>
-                </a:solidFill>
-                <a:effectLst>
-                  <a:glow>
-                    <a:schemeClr val="bg1"/>
-                  </a:glow>
-                </a:effectLst>
-              </a:rPr>
-              <a:t> </a:t>
-            </a:r>
-            <a:r>
-              <a:rPr lang="en-US" sz="2000" dirty="0">
-                <a:solidFill>
-                  <a:schemeClr val="bg1"/>
-                </a:solidFill>
-                <a:latin typeface="+mj-lt"/>
-                <a:cs typeface="Arial" panose="020B0604020202020204" pitchFamily="34" charset="0"/>
-              </a:rPr>
-              <a:t>call</a:t>
-            </a:r>
-            <a:endParaRPr lang="en-US" sz="1600" dirty="0">
-              <a:solidFill>
-                <a:schemeClr val="bg1"/>
-              </a:solidFill>
-              <a:latin typeface="+mj-lt"/>
-              <a:cs typeface="Arial" panose="020B0604020202020204" pitchFamily="34" charset="0"/>
-            </a:endParaRPr>
-          </a:p>
-        </p:txBody>
-      </p:sp>
-      <p:sp>
-        <p:nvSpPr>
-          <p:cNvPr id="27" name="Rectangle 26">
-            <a:extLst>
-              <a:ext uri="{FF2B5EF4-FFF2-40B4-BE49-F238E27FC236}">
-                <a16:creationId xmlns:a16="http://schemas.microsoft.com/office/drawing/2014/main" id="{AA7E8FDC-0858-4E16-9ECC-E1111042A572}"/>
-              </a:ext>
-            </a:extLst>
-          </p:cNvPr>
-          <p:cNvSpPr/>
-          <p:nvPr/>
-        </p:nvSpPr>
-        <p:spPr>
-          <a:xfrm>
-            <a:off x="238191" y="2017100"/>
-            <a:ext cx="1399021" cy="440281"/>
-          </a:xfrm>
-          <a:prstGeom prst="rect">
-            <a:avLst/>
-          </a:prstGeom>
-          <a:solidFill>
-            <a:schemeClr val="tx1">
-              <a:lumMod val="95000"/>
-            </a:schemeClr>
-          </a:solidFill>
-          <a:ln w="28575">
-            <a:solidFill>
-              <a:schemeClr val="tx1">
-                <a:lumMod val="50000"/>
-              </a:schemeClr>
-            </a:solidFill>
-            <a:prstDash val="solid"/>
-          </a:ln>
-        </p:spPr>
-        <p:style>
-          <a:lnRef idx="2">
-            <a:schemeClr val="accent1">
-              <a:shade val="50000"/>
-            </a:schemeClr>
-          </a:lnRef>
-          <a:fillRef idx="1">
-            <a:schemeClr val="accent1"/>
-          </a:fillRef>
-          <a:effectRef idx="0">
-            <a:schemeClr val="accent1"/>
-          </a:effectRef>
-          <a:fontRef idx="minor">
-            <a:schemeClr val="lt1"/>
-          </a:fontRef>
-        </p:style>
-        <p:txBody>
-          <a:bodyPr lIns="144000" tIns="144000" rIns="144000" bIns="144000" anchor="ctr"/>
-          <a:lstStyle/>
-          <a:p>
-            <a:r>
-              <a:rPr lang="en-GB" sz="2800" baseline="-9000" dirty="0">
-                <a:solidFill>
-                  <a:schemeClr val="bg2">
-                    <a:lumMod val="40000"/>
-                    <a:lumOff val="60000"/>
-                  </a:schemeClr>
-                </a:solidFill>
-                <a:effectLst>
-                  <a:glow>
-                    <a:schemeClr val="bg1"/>
-                  </a:glow>
-                </a:effectLst>
-              </a:rPr>
-              <a:t>🧑‍🦰</a:t>
-            </a:r>
-            <a:r>
-              <a:rPr lang="en-GB" sz="2000" dirty="0">
-                <a:solidFill>
-                  <a:sysClr val="windowText" lastClr="000000"/>
-                </a:solidFill>
-                <a:latin typeface="+mj-lt"/>
-                <a:cs typeface="Arial" panose="020B0604020202020204" pitchFamily="34" charset="0"/>
-              </a:rPr>
-              <a:t> Wallet</a:t>
-            </a:r>
-          </a:p>
-        </p:txBody>
-      </p:sp>
-      <p:grpSp>
-        <p:nvGrpSpPr>
-          <p:cNvPr id="52" name="Group 51">
-            <a:extLst>
-              <a:ext uri="{FF2B5EF4-FFF2-40B4-BE49-F238E27FC236}">
-                <a16:creationId xmlns:a16="http://schemas.microsoft.com/office/drawing/2014/main" id="{0F72A396-ACDF-E93B-F5FA-047ECCAF43E4}"/>
-              </a:ext>
-            </a:extLst>
-          </p:cNvPr>
-          <p:cNvGrpSpPr/>
-          <p:nvPr/>
-        </p:nvGrpSpPr>
-        <p:grpSpPr>
-          <a:xfrm>
-            <a:off x="8202325" y="2588300"/>
-            <a:ext cx="2093050" cy="518400"/>
-            <a:chOff x="5877139" y="2930008"/>
-            <a:chExt cx="2093050" cy="518400"/>
-          </a:xfrm>
-        </p:grpSpPr>
-        <p:grpSp>
-          <p:nvGrpSpPr>
-            <p:cNvPr id="38" name="Group 37">
-              <a:extLst>
-                <a:ext uri="{FF2B5EF4-FFF2-40B4-BE49-F238E27FC236}">
-                  <a16:creationId xmlns:a16="http://schemas.microsoft.com/office/drawing/2014/main" id="{1EA558AE-41CB-5DE8-ED78-0DE949C6592F}"/>
-                </a:ext>
-              </a:extLst>
-            </p:cNvPr>
-            <p:cNvGrpSpPr/>
-            <p:nvPr/>
-          </p:nvGrpSpPr>
-          <p:grpSpPr>
-            <a:xfrm>
-              <a:off x="5877139" y="2930008"/>
-              <a:ext cx="2093050" cy="518400"/>
-              <a:chOff x="6890273" y="2476895"/>
-              <a:chExt cx="2093050" cy="518400"/>
-            </a:xfrm>
-          </p:grpSpPr>
-          <p:sp>
-            <p:nvSpPr>
-              <p:cNvPr id="39" name="Rectangle 38">
-                <a:extLst>
-                  <a:ext uri="{FF2B5EF4-FFF2-40B4-BE49-F238E27FC236}">
-                    <a16:creationId xmlns:a16="http://schemas.microsoft.com/office/drawing/2014/main" id="{47792872-4B14-7732-8165-EB9A962808B1}"/>
-                  </a:ext>
-                </a:extLst>
-              </p:cNvPr>
-              <p:cNvSpPr/>
-              <p:nvPr/>
-            </p:nvSpPr>
-            <p:spPr>
-              <a:xfrm>
-                <a:off x="6890273" y="2476895"/>
-                <a:ext cx="2052832" cy="518400"/>
-              </a:xfrm>
-              <a:prstGeom prst="rect">
-                <a:avLst/>
-              </a:prstGeom>
-              <a:solidFill>
-                <a:schemeClr val="bg1">
-                  <a:lumMod val="85000"/>
-                  <a:lumOff val="15000"/>
-                </a:schemeClr>
-              </a:solidFill>
-              <a:ln>
-                <a:noFill/>
-              </a:ln>
-            </p:spPr>
-            <p:style>
-              <a:lnRef idx="2">
-                <a:schemeClr val="accent1">
-                  <a:shade val="50000"/>
-                </a:schemeClr>
-              </a:lnRef>
-              <a:fillRef idx="1">
-                <a:schemeClr val="accent1"/>
-              </a:fillRef>
-              <a:effectRef idx="0">
-                <a:schemeClr val="accent1"/>
-              </a:effectRef>
-              <a:fontRef idx="minor">
-                <a:schemeClr val="lt1"/>
-              </a:fontRef>
-            </p:style>
-            <p:txBody>
-              <a:bodyPr lIns="45720" tIns="45720" rIns="45720" bIns="72000" rtlCol="0" anchor="b"/>
-              <a:lstStyle/>
-              <a:p>
-                <a:pPr algn="ctr"/>
-                <a:endParaRPr lang="en-US" sz="1600" i="1" dirty="0">
-                  <a:solidFill>
-                    <a:schemeClr val="tx1">
-                      <a:lumMod val="75000"/>
-                    </a:schemeClr>
-                  </a:solidFill>
-                </a:endParaRPr>
-              </a:p>
-            </p:txBody>
-          </p:sp>
-          <p:sp>
-            <p:nvSpPr>
-              <p:cNvPr id="41" name="TextBox 40">
-                <a:extLst>
-                  <a:ext uri="{FF2B5EF4-FFF2-40B4-BE49-F238E27FC236}">
-                    <a16:creationId xmlns:a16="http://schemas.microsoft.com/office/drawing/2014/main" id="{631EF9AE-2970-DC3E-AC6D-0BE2555624B6}"/>
-                  </a:ext>
-                </a:extLst>
-              </p:cNvPr>
-              <p:cNvSpPr txBox="1"/>
-              <p:nvPr/>
-            </p:nvSpPr>
-            <p:spPr>
-              <a:xfrm>
-                <a:off x="7333617" y="2504674"/>
-                <a:ext cx="1649706" cy="461665"/>
-              </a:xfrm>
-              <a:prstGeom prst="rect">
-                <a:avLst/>
-              </a:prstGeom>
-              <a:noFill/>
-            </p:spPr>
-            <p:txBody>
-              <a:bodyPr wrap="square">
-                <a:spAutoFit/>
-              </a:bodyPr>
-              <a:lstStyle/>
-              <a:p>
-                <a:pPr fontAlgn="base">
-                  <a:spcBef>
-                    <a:spcPct val="0"/>
-                  </a:spcBef>
-                  <a:spcAft>
-                    <a:spcPct val="0"/>
-                  </a:spcAft>
-                </a:pPr>
-                <a:r>
-                  <a:rPr lang="en-US" altLang="en-US" sz="1200" dirty="0">
-                    <a:solidFill>
-                      <a:srgbClr val="FFFFFF"/>
-                    </a:solidFill>
-                    <a:latin typeface="Arial" panose="020B0604020202020204" pitchFamily="34" charset="0"/>
-                    <a:ea typeface="Amazon Ember" panose="020B0603020204020204" pitchFamily="34" charset="0"/>
-                    <a:cs typeface="Arial" panose="020B0604020202020204" pitchFamily="34" charset="0"/>
-                  </a:rPr>
-                  <a:t>AppSync</a:t>
-                </a:r>
-                <a:br>
-                  <a:rPr lang="en-US" altLang="en-US" sz="1200" i="1" dirty="0">
-                    <a:solidFill>
-                      <a:schemeClr val="bg2">
-                        <a:lumMod val="40000"/>
-                        <a:lumOff val="60000"/>
-                      </a:schemeClr>
-                    </a:solidFill>
-                    <a:effectLst>
-                      <a:glow>
-                        <a:schemeClr val="bg1"/>
-                      </a:glow>
-                    </a:effectLst>
-                    <a:ea typeface="Amazon Ember" panose="020B0603020204020204" pitchFamily="34" charset="0"/>
-                    <a:cs typeface="Arial" panose="020B0604020202020204" pitchFamily="34" charset="0"/>
-                  </a:rPr>
-                </a:br>
-                <a:r>
-                  <a:rPr lang="en-US" altLang="en-US" sz="1200" i="1" dirty="0">
-                    <a:solidFill>
-                      <a:schemeClr val="bg2">
-                        <a:lumMod val="40000"/>
-                        <a:lumOff val="60000"/>
-                      </a:schemeClr>
-                    </a:solidFill>
-                    <a:effectLst>
-                      <a:glow>
-                        <a:schemeClr val="bg1"/>
-                      </a:glow>
-                    </a:effectLst>
-                    <a:ea typeface="Amazon Ember" panose="020B0603020204020204" pitchFamily="34" charset="0"/>
-                    <a:cs typeface="Arial" panose="020B0604020202020204" pitchFamily="34" charset="0"/>
-                  </a:rPr>
-                  <a:t>none data mutations</a:t>
-                </a:r>
-              </a:p>
-            </p:txBody>
-          </p:sp>
-        </p:grpSp>
-        <p:pic>
-          <p:nvPicPr>
-            <p:cNvPr id="36" name="Graphic 32" descr="AWS AppSync service icon.">
-              <a:extLst>
-                <a:ext uri="{FF2B5EF4-FFF2-40B4-BE49-F238E27FC236}">
-                  <a16:creationId xmlns:a16="http://schemas.microsoft.com/office/drawing/2014/main" id="{9FB58886-AF2A-6758-51F8-2C451791056F}"/>
-                </a:ext>
-              </a:extLst>
-            </p:cNvPr>
-            <p:cNvPicPr>
-              <a:picLocks noChangeAspect="1" noChangeArrowheads="1"/>
-            </p:cNvPicPr>
-            <p:nvPr/>
-          </p:nvPicPr>
-          <p:blipFill>
-            <a:blip r:embed="rId8">
-              <a:extLst>
-                <a:ext uri="{96DAC541-7B7A-43D3-8B79-37D633B846F1}">
-                  <asvg:svgBlip xmlns:asvg="http://schemas.microsoft.com/office/drawing/2016/SVG/main" r:embed="rId9"/>
-                </a:ext>
-              </a:extLst>
-            </a:blip>
-            <a:srcRect/>
-            <a:stretch/>
-          </p:blipFill>
-          <p:spPr bwMode="auto">
-            <a:xfrm>
-              <a:off x="5959066" y="3011981"/>
-              <a:ext cx="360000" cy="360000"/>
-            </a:xfrm>
-            <a:prstGeom prst="rect">
-              <a:avLst/>
-            </a:prstGeom>
-            <a:noFill/>
-            <a:ln>
-              <a:noFill/>
-            </a:ln>
-            <a:extLst>
-              <a:ext uri="{909E8E84-426E-40DD-AFC4-6F175D3DCCD1}">
-                <a14:hiddenFill xmlns:a14="http://schemas.microsoft.com/office/drawing/2010/main">
-                  <a:solidFill>
-                    <a:srgbClr val="FFFFFF"/>
-                  </a:solidFill>
-                </a14:hiddenFill>
-              </a:ext>
-              <a:ext uri="{91240B29-F687-4F45-9708-019B960494DF}">
-                <a14:hiddenLine xmlns:a14="http://schemas.microsoft.com/office/drawing/2010/main" w="9525">
-                  <a:solidFill>
-                    <a:srgbClr val="000000"/>
-                  </a:solidFill>
-                  <a:miter lim="800000"/>
-                  <a:headEnd/>
-                  <a:tailEnd/>
-                </a14:hiddenLine>
-              </a:ext>
-            </a:extLst>
-          </p:spPr>
-        </p:pic>
-      </p:grpSp>
-      <p:sp>
-        <p:nvSpPr>
-          <p:cNvPr id="42" name="Rectangle 41">
-            <a:extLst>
-              <a:ext uri="{FF2B5EF4-FFF2-40B4-BE49-F238E27FC236}">
-                <a16:creationId xmlns:a16="http://schemas.microsoft.com/office/drawing/2014/main" id="{6692CA81-D973-A831-44E1-EFFF5DFE3822}"/>
-              </a:ext>
-            </a:extLst>
-          </p:cNvPr>
-          <p:cNvSpPr/>
-          <p:nvPr/>
-        </p:nvSpPr>
-        <p:spPr>
-          <a:xfrm>
-            <a:off x="10619537" y="2627359"/>
-            <a:ext cx="1399021" cy="440281"/>
-          </a:xfrm>
-          <a:prstGeom prst="rect">
-            <a:avLst/>
-          </a:prstGeom>
-          <a:solidFill>
-            <a:schemeClr val="tx1">
-              <a:lumMod val="95000"/>
-            </a:schemeClr>
-          </a:solidFill>
-          <a:ln w="28575">
-            <a:solidFill>
-              <a:schemeClr val="tx1">
-                <a:lumMod val="50000"/>
-              </a:schemeClr>
-            </a:solidFill>
-            <a:prstDash val="solid"/>
-          </a:ln>
-        </p:spPr>
-        <p:style>
-          <a:lnRef idx="2">
-            <a:schemeClr val="accent1">
-              <a:shade val="50000"/>
-            </a:schemeClr>
-          </a:lnRef>
-          <a:fillRef idx="1">
-            <a:schemeClr val="accent1"/>
-          </a:fillRef>
-          <a:effectRef idx="0">
-            <a:schemeClr val="accent1"/>
-          </a:effectRef>
-          <a:fontRef idx="minor">
-            <a:schemeClr val="lt1"/>
-          </a:fontRef>
-        </p:style>
-        <p:txBody>
-          <a:bodyPr lIns="144000" tIns="144000" rIns="144000" bIns="144000" anchor="ctr"/>
-          <a:lstStyle/>
-          <a:p>
-            <a:r>
-              <a:rPr lang="en-GB" sz="2800" baseline="-9000" dirty="0">
-                <a:solidFill>
-                  <a:schemeClr val="bg2">
-                    <a:lumMod val="40000"/>
-                    <a:lumOff val="60000"/>
-                  </a:schemeClr>
-                </a:solidFill>
-                <a:effectLst>
-                  <a:glow>
-                    <a:schemeClr val="bg1"/>
-                  </a:glow>
-                </a:effectLst>
-              </a:rPr>
-              <a:t>🧑‍🦰</a:t>
-            </a:r>
-            <a:r>
-              <a:rPr lang="en-GB" sz="2000" dirty="0">
-                <a:solidFill>
-                  <a:sysClr val="windowText" lastClr="000000"/>
-                </a:solidFill>
-                <a:latin typeface="+mj-lt"/>
-                <a:cs typeface="Arial" panose="020B0604020202020204" pitchFamily="34" charset="0"/>
-              </a:rPr>
-              <a:t> Wallet</a:t>
-            </a:r>
-          </a:p>
-        </p:txBody>
-      </p:sp>
-      <p:grpSp>
-        <p:nvGrpSpPr>
-          <p:cNvPr id="46" name="Group 45">
-            <a:extLst>
-              <a:ext uri="{FF2B5EF4-FFF2-40B4-BE49-F238E27FC236}">
-                <a16:creationId xmlns:a16="http://schemas.microsoft.com/office/drawing/2014/main" id="{AEADD289-77EE-8069-5D31-0D38713CCD04}"/>
-              </a:ext>
-            </a:extLst>
-          </p:cNvPr>
-          <p:cNvGrpSpPr/>
-          <p:nvPr/>
-        </p:nvGrpSpPr>
-        <p:grpSpPr>
-          <a:xfrm>
-            <a:off x="2394599" y="2011279"/>
-            <a:ext cx="2052000" cy="518400"/>
-            <a:chOff x="612366" y="4202686"/>
-            <a:chExt cx="2052000" cy="518400"/>
-          </a:xfrm>
-        </p:grpSpPr>
-        <p:grpSp>
-          <p:nvGrpSpPr>
-            <p:cNvPr id="47" name="Group 46">
-              <a:extLst>
-                <a:ext uri="{FF2B5EF4-FFF2-40B4-BE49-F238E27FC236}">
-                  <a16:creationId xmlns:a16="http://schemas.microsoft.com/office/drawing/2014/main" id="{16EA986D-D9BD-0670-BBC3-B64745EB4838}"/>
-                </a:ext>
-              </a:extLst>
-            </p:cNvPr>
-            <p:cNvGrpSpPr/>
-            <p:nvPr/>
-          </p:nvGrpSpPr>
-          <p:grpSpPr>
-            <a:xfrm>
-              <a:off x="612366" y="4202686"/>
-              <a:ext cx="2052000" cy="518400"/>
-              <a:chOff x="6838092" y="3987527"/>
-              <a:chExt cx="2052000" cy="518400"/>
-            </a:xfrm>
-          </p:grpSpPr>
-          <p:sp>
-            <p:nvSpPr>
-              <p:cNvPr id="49" name="Rectangle 48">
-                <a:extLst>
-                  <a:ext uri="{FF2B5EF4-FFF2-40B4-BE49-F238E27FC236}">
-                    <a16:creationId xmlns:a16="http://schemas.microsoft.com/office/drawing/2014/main" id="{79163D34-054E-1420-5E8C-6245AB034CEF}"/>
-                  </a:ext>
-                </a:extLst>
-              </p:cNvPr>
-              <p:cNvSpPr/>
-              <p:nvPr/>
-            </p:nvSpPr>
-            <p:spPr>
-              <a:xfrm>
-                <a:off x="6838092" y="3987527"/>
-                <a:ext cx="2052000" cy="518400"/>
-              </a:xfrm>
-              <a:prstGeom prst="rect">
-                <a:avLst/>
-              </a:prstGeom>
-              <a:solidFill>
-                <a:schemeClr val="bg1">
-                  <a:lumMod val="85000"/>
-                  <a:lumOff val="15000"/>
-                </a:schemeClr>
-              </a:solidFill>
-              <a:ln>
-                <a:noFill/>
-              </a:ln>
-            </p:spPr>
-            <p:style>
-              <a:lnRef idx="2">
-                <a:schemeClr val="accent1">
-                  <a:shade val="50000"/>
-                </a:schemeClr>
-              </a:lnRef>
-              <a:fillRef idx="1">
-                <a:schemeClr val="accent1"/>
-              </a:fillRef>
-              <a:effectRef idx="0">
-                <a:schemeClr val="accent1"/>
-              </a:effectRef>
-              <a:fontRef idx="minor">
-                <a:schemeClr val="lt1"/>
-              </a:fontRef>
-            </p:style>
-            <p:txBody>
-              <a:bodyPr lIns="72000" tIns="72000" rIns="45720" rtlCol="0" anchor="t"/>
-              <a:lstStyle/>
-              <a:p>
-                <a:r>
-                  <a:rPr lang="en-US" sz="1200" i="1" dirty="0">
-                    <a:solidFill>
-                      <a:schemeClr val="tx1">
-                        <a:lumMod val="75000"/>
-                      </a:schemeClr>
-                    </a:solidFill>
-                  </a:rPr>
-                  <a:t> </a:t>
-                </a:r>
-                <a:endParaRPr lang="en-US" sz="1600" i="1" dirty="0">
-                  <a:solidFill>
-                    <a:schemeClr val="tx1">
-                      <a:lumMod val="75000"/>
-                    </a:schemeClr>
-                  </a:solidFill>
-                </a:endParaRPr>
-              </a:p>
-            </p:txBody>
-          </p:sp>
-          <p:sp>
-            <p:nvSpPr>
-              <p:cNvPr id="50" name="TextBox 11">
-                <a:extLst>
-                  <a:ext uri="{FF2B5EF4-FFF2-40B4-BE49-F238E27FC236}">
-                    <a16:creationId xmlns:a16="http://schemas.microsoft.com/office/drawing/2014/main" id="{BF049C66-CFEE-36BE-441D-04299B264AA7}"/>
-                  </a:ext>
-                </a:extLst>
-              </p:cNvPr>
-              <p:cNvSpPr txBox="1">
-                <a:spLocks noChangeArrowheads="1"/>
-              </p:cNvSpPr>
-              <p:nvPr/>
-            </p:nvSpPr>
-            <p:spPr bwMode="auto">
-              <a:xfrm>
-                <a:off x="7279866" y="4031131"/>
-                <a:ext cx="1295891" cy="461665"/>
-              </a:xfrm>
-              <a:prstGeom prst="rect">
-                <a:avLst/>
-              </a:prstGeom>
-              <a:noFill/>
-              <a:ln>
-                <a:noFill/>
-              </a:ln>
-              <a:extLst>
-                <a:ext uri="{909E8E84-426E-40DD-AFC4-6F175D3DCCD1}">
-                  <a14:hiddenFill xmlns:a14="http://schemas.microsoft.com/office/drawing/2010/main">
-                    <a:solidFill>
-                      <a:srgbClr val="FFFFFF"/>
-                    </a:solidFill>
-                  </a14:hiddenFill>
-                </a:ext>
-                <a:ext uri="{91240B29-F687-4F45-9708-019B960494DF}">
-                  <a14:hiddenLine xmlns:a14="http://schemas.microsoft.com/office/drawing/2010/main" w="9525">
-                    <a:solidFill>
-                      <a:srgbClr val="000000"/>
-                    </a:solidFill>
-                    <a:miter lim="800000"/>
-                    <a:headEnd/>
-                    <a:tailEnd/>
-                  </a14:hiddenLine>
-                </a:ext>
-              </a:extLst>
-            </p:spPr>
-            <p:txBody>
-              <a:bodyPr wrap="square">
-                <a:spAutoFit/>
-              </a:bodyPr>
-              <a:lstStyle>
-                <a:lvl1pPr>
-                  <a:defRPr>
-                    <a:solidFill>
-                      <a:schemeClr val="tx1"/>
-                    </a:solidFill>
-                    <a:latin typeface="Calibri" panose="020F0502020204030204" pitchFamily="34" charset="0"/>
-                  </a:defRPr>
-                </a:lvl1pPr>
-                <a:lvl2pPr marL="742950" indent="-285750">
-                  <a:defRPr>
-                    <a:solidFill>
-                      <a:schemeClr val="tx1"/>
-                    </a:solidFill>
-                    <a:latin typeface="Calibri" panose="020F0502020204030204" pitchFamily="34" charset="0"/>
-                  </a:defRPr>
-                </a:lvl2pPr>
-                <a:lvl3pPr marL="1143000" indent="-228600">
-                  <a:defRPr>
-                    <a:solidFill>
-                      <a:schemeClr val="tx1"/>
-                    </a:solidFill>
-                    <a:latin typeface="Calibri" panose="020F0502020204030204" pitchFamily="34" charset="0"/>
-                  </a:defRPr>
-                </a:lvl3pPr>
-                <a:lvl4pPr marL="1600200" indent="-228600">
-                  <a:defRPr>
-                    <a:solidFill>
-                      <a:schemeClr val="tx1"/>
-                    </a:solidFill>
-                    <a:latin typeface="Calibri" panose="020F0502020204030204" pitchFamily="34" charset="0"/>
-                  </a:defRPr>
-                </a:lvl4pPr>
-                <a:lvl5pPr marL="2057400" indent="-228600">
-                  <a:defRPr>
-                    <a:solidFill>
-                      <a:schemeClr val="tx1"/>
-                    </a:solidFill>
-                    <a:latin typeface="Calibri" panose="020F0502020204030204" pitchFamily="34" charset="0"/>
-                  </a:defRPr>
-                </a:lvl5pPr>
-                <a:lvl6pPr marL="2514600" indent="-228600" eaLnBrk="0" fontAlgn="base" hangingPunct="0">
-                  <a:spcBef>
-                    <a:spcPct val="0"/>
-                  </a:spcBef>
-                  <a:spcAft>
-                    <a:spcPct val="0"/>
-                  </a:spcAft>
-                  <a:defRPr>
-                    <a:solidFill>
-                      <a:schemeClr val="tx1"/>
-                    </a:solidFill>
-                    <a:latin typeface="Calibri" panose="020F0502020204030204" pitchFamily="34" charset="0"/>
-                  </a:defRPr>
-                </a:lvl6pPr>
-                <a:lvl7pPr marL="2971800" indent="-228600" eaLnBrk="0" fontAlgn="base" hangingPunct="0">
-                  <a:spcBef>
-                    <a:spcPct val="0"/>
-                  </a:spcBef>
-                  <a:spcAft>
-                    <a:spcPct val="0"/>
-                  </a:spcAft>
-                  <a:defRPr>
-                    <a:solidFill>
-                      <a:schemeClr val="tx1"/>
-                    </a:solidFill>
-                    <a:latin typeface="Calibri" panose="020F0502020204030204" pitchFamily="34" charset="0"/>
-                  </a:defRPr>
-                </a:lvl7pPr>
-                <a:lvl8pPr marL="3429000" indent="-228600" eaLnBrk="0" fontAlgn="base" hangingPunct="0">
-                  <a:spcBef>
-                    <a:spcPct val="0"/>
-                  </a:spcBef>
-                  <a:spcAft>
-                    <a:spcPct val="0"/>
-                  </a:spcAft>
-                  <a:defRPr>
-                    <a:solidFill>
-                      <a:schemeClr val="tx1"/>
-                    </a:solidFill>
-                    <a:latin typeface="Calibri" panose="020F0502020204030204" pitchFamily="34" charset="0"/>
-                  </a:defRPr>
-                </a:lvl8pPr>
-                <a:lvl9pPr marL="3886200" indent="-228600" eaLnBrk="0" fontAlgn="base" hangingPunct="0">
-                  <a:spcBef>
-                    <a:spcPct val="0"/>
-                  </a:spcBef>
-                  <a:spcAft>
-                    <a:spcPct val="0"/>
-                  </a:spcAft>
-                  <a:defRPr>
-                    <a:solidFill>
-                      <a:schemeClr val="tx1"/>
-                    </a:solidFill>
-                    <a:latin typeface="Calibri" panose="020F0502020204030204" pitchFamily="34" charset="0"/>
-                  </a:defRPr>
-                </a:lvl9pPr>
-              </a:lstStyle>
-              <a:p>
-                <a:pPr fontAlgn="base">
-                  <a:spcBef>
-                    <a:spcPct val="0"/>
-                  </a:spcBef>
-                  <a:spcAft>
-                    <a:spcPct val="0"/>
-                  </a:spcAft>
-                </a:pPr>
-                <a:r>
-                  <a:rPr lang="en-US" altLang="en-US" sz="1200" dirty="0">
-                    <a:solidFill>
-                      <a:srgbClr val="FFFFFF"/>
-                    </a:solidFill>
-                    <a:latin typeface="Arial" panose="020B0604020202020204" pitchFamily="34" charset="0"/>
-                    <a:ea typeface="Amazon Ember" panose="020B0603020204020204" pitchFamily="34" charset="0"/>
-                    <a:cs typeface="Arial" panose="020B0604020202020204" pitchFamily="34" charset="0"/>
-                  </a:rPr>
-                  <a:t>DynamoDB</a:t>
-                </a:r>
-                <a:br>
-                  <a:rPr lang="en-US" altLang="en-US" sz="1200" dirty="0">
-                    <a:solidFill>
-                      <a:srgbClr val="FFFFFF"/>
-                    </a:solidFill>
-                    <a:latin typeface="Arial" panose="020B0604020202020204" pitchFamily="34" charset="0"/>
-                    <a:ea typeface="Amazon Ember" panose="020B0603020204020204" pitchFamily="34" charset="0"/>
-                    <a:cs typeface="Arial" panose="020B0604020202020204" pitchFamily="34" charset="0"/>
-                  </a:rPr>
-                </a:br>
-                <a:r>
-                  <a:rPr lang="en-US" sz="1200" i="1" dirty="0">
-                    <a:solidFill>
-                      <a:schemeClr val="bg2">
-                        <a:lumMod val="40000"/>
-                        <a:lumOff val="60000"/>
-                      </a:schemeClr>
-                    </a:solidFill>
-                    <a:effectLst>
-                      <a:glow>
-                        <a:schemeClr val="bg1"/>
-                      </a:glow>
-                    </a:effectLst>
-                    <a:latin typeface="+mn-lt"/>
-                    <a:ea typeface="Amazon Ember" panose="020B0603020204020204" pitchFamily="34" charset="0"/>
-                    <a:cs typeface="Arial" panose="020B0604020202020204" pitchFamily="34" charset="0"/>
-                  </a:rPr>
-                  <a:t>wallets</a:t>
-                </a:r>
-                <a:endParaRPr lang="en-US" altLang="en-US" sz="1200" i="1" dirty="0">
-                  <a:solidFill>
-                    <a:schemeClr val="bg2">
-                      <a:lumMod val="40000"/>
-                      <a:lumOff val="60000"/>
-                    </a:schemeClr>
-                  </a:solidFill>
-                  <a:effectLst>
-                    <a:glow>
-                      <a:schemeClr val="bg1"/>
-                    </a:glow>
-                  </a:effectLst>
-                  <a:latin typeface="+mn-lt"/>
-                  <a:ea typeface="Amazon Ember" panose="020B0603020204020204" pitchFamily="34" charset="0"/>
-                  <a:cs typeface="Arial" panose="020B0604020202020204" pitchFamily="34" charset="0"/>
-                </a:endParaRPr>
-              </a:p>
-            </p:txBody>
-          </p:sp>
-        </p:grpSp>
-        <p:pic>
-          <p:nvPicPr>
-            <p:cNvPr id="48" name="Graphic 23" descr="Amazon DynamoDB service icon.">
-              <a:extLst>
-                <a:ext uri="{FF2B5EF4-FFF2-40B4-BE49-F238E27FC236}">
-                  <a16:creationId xmlns:a16="http://schemas.microsoft.com/office/drawing/2014/main" id="{2728EC8B-4AC6-BC33-218A-62C8FD884B63}"/>
-                </a:ext>
-              </a:extLst>
-            </p:cNvPr>
-            <p:cNvPicPr>
-              <a:picLocks noChangeAspect="1" noChangeArrowheads="1"/>
-            </p:cNvPicPr>
-            <p:nvPr/>
-          </p:nvPicPr>
-          <p:blipFill>
-            <a:blip r:embed="rId10">
-              <a:extLst>
-                <a:ext uri="{96DAC541-7B7A-43D3-8B79-37D633B846F1}">
-                  <asvg:svgBlip xmlns:asvg="http://schemas.microsoft.com/office/drawing/2016/SVG/main" r:embed="rId11"/>
-                </a:ext>
-              </a:extLst>
-            </a:blip>
-            <a:srcRect/>
-            <a:stretch/>
-          </p:blipFill>
-          <p:spPr bwMode="auto">
-            <a:xfrm>
-              <a:off x="688948" y="4288038"/>
-              <a:ext cx="360000" cy="360750"/>
-            </a:xfrm>
-            <a:prstGeom prst="rect">
-              <a:avLst/>
-            </a:prstGeom>
-            <a:noFill/>
-            <a:ln>
-              <a:noFill/>
-            </a:ln>
-            <a:extLst>
-              <a:ext uri="{909E8E84-426E-40DD-AFC4-6F175D3DCCD1}">
-                <a14:hiddenFill xmlns:a14="http://schemas.microsoft.com/office/drawing/2010/main">
-                  <a:solidFill>
-                    <a:srgbClr val="FFFFFF"/>
-                  </a:solidFill>
-                </a14:hiddenFill>
-              </a:ext>
-              <a:ext uri="{91240B29-F687-4F45-9708-019B960494DF}">
-                <a14:hiddenLine xmlns:a14="http://schemas.microsoft.com/office/drawing/2010/main" w="9525">
-                  <a:solidFill>
-                    <a:srgbClr val="000000"/>
-                  </a:solidFill>
-                  <a:miter lim="800000"/>
-                  <a:headEnd/>
-                  <a:tailEnd/>
-                </a14:hiddenLine>
-              </a:ext>
-            </a:extLst>
-          </p:spPr>
-        </p:pic>
-      </p:grpSp>
-      <p:sp>
-        <p:nvSpPr>
-          <p:cNvPr id="78" name="TextBox 12">
-            <a:extLst>
-              <a:ext uri="{FF2B5EF4-FFF2-40B4-BE49-F238E27FC236}">
-                <a16:creationId xmlns:a16="http://schemas.microsoft.com/office/drawing/2014/main" id="{EFDB1F19-7EAF-68B3-8179-E0ED20E480D5}"/>
-              </a:ext>
-            </a:extLst>
-          </p:cNvPr>
-          <p:cNvSpPr txBox="1">
-            <a:spLocks noChangeArrowheads="1"/>
-          </p:cNvSpPr>
-          <p:nvPr/>
-        </p:nvSpPr>
-        <p:spPr bwMode="auto">
-          <a:xfrm>
-            <a:off x="842357" y="2854184"/>
-            <a:ext cx="969708" cy="523220"/>
-          </a:xfrm>
-          <a:prstGeom prst="rect">
-            <a:avLst/>
-          </a:prstGeom>
-          <a:noFill/>
-          <a:ln>
-            <a:noFill/>
-          </a:ln>
-          <a:extLst>
-            <a:ext uri="{909E8E84-426E-40DD-AFC4-6F175D3DCCD1}">
-              <a14:hiddenFill xmlns:a14="http://schemas.microsoft.com/office/drawing/2010/main">
-                <a:solidFill>
-                  <a:srgbClr val="FFFFFF"/>
-                </a:solidFill>
-              </a14:hiddenFill>
-            </a:ext>
-            <a:ext uri="{91240B29-F687-4F45-9708-019B960494DF}">
-              <a14:hiddenLine xmlns:a14="http://schemas.microsoft.com/office/drawing/2010/main" w="9525">
-                <a:solidFill>
-                  <a:srgbClr val="000000"/>
-                </a:solidFill>
-                <a:miter lim="800000"/>
-                <a:headEnd/>
-                <a:tailEnd/>
-              </a14:hiddenLine>
-            </a:ext>
-          </a:extLst>
-        </p:spPr>
-        <p:txBody>
-          <a:bodyPr wrap="square">
-            <a:spAutoFit/>
-          </a:bodyPr>
-          <a:lstStyle>
-            <a:lvl1pPr>
-              <a:defRPr>
-                <a:solidFill>
-                  <a:schemeClr val="tx1"/>
-                </a:solidFill>
-                <a:latin typeface="Calibri" panose="020F0502020204030204" pitchFamily="34" charset="0"/>
-              </a:defRPr>
-            </a:lvl1pPr>
-            <a:lvl2pPr marL="742950" indent="-285750">
-              <a:defRPr>
-                <a:solidFill>
-                  <a:schemeClr val="tx1"/>
-                </a:solidFill>
-                <a:latin typeface="Calibri" panose="020F0502020204030204" pitchFamily="34" charset="0"/>
-              </a:defRPr>
-            </a:lvl2pPr>
-            <a:lvl3pPr marL="1143000" indent="-228600">
-              <a:defRPr>
-                <a:solidFill>
-                  <a:schemeClr val="tx1"/>
-                </a:solidFill>
-                <a:latin typeface="Calibri" panose="020F0502020204030204" pitchFamily="34" charset="0"/>
-              </a:defRPr>
-            </a:lvl3pPr>
-            <a:lvl4pPr marL="1600200" indent="-228600">
-              <a:defRPr>
-                <a:solidFill>
-                  <a:schemeClr val="tx1"/>
-                </a:solidFill>
-                <a:latin typeface="Calibri" panose="020F0502020204030204" pitchFamily="34" charset="0"/>
-              </a:defRPr>
-            </a:lvl4pPr>
-            <a:lvl5pPr marL="2057400" indent="-228600">
-              <a:defRPr>
-                <a:solidFill>
-                  <a:schemeClr val="tx1"/>
-                </a:solidFill>
-                <a:latin typeface="Calibri" panose="020F0502020204030204" pitchFamily="34" charset="0"/>
-              </a:defRPr>
-            </a:lvl5pPr>
-            <a:lvl6pPr marL="2514600" indent="-228600" eaLnBrk="0" fontAlgn="base" hangingPunct="0">
-              <a:spcBef>
-                <a:spcPct val="0"/>
-              </a:spcBef>
-              <a:spcAft>
-                <a:spcPct val="0"/>
-              </a:spcAft>
-              <a:defRPr>
-                <a:solidFill>
-                  <a:schemeClr val="tx1"/>
-                </a:solidFill>
-                <a:latin typeface="Calibri" panose="020F0502020204030204" pitchFamily="34" charset="0"/>
-              </a:defRPr>
-            </a:lvl6pPr>
-            <a:lvl7pPr marL="2971800" indent="-228600" eaLnBrk="0" fontAlgn="base" hangingPunct="0">
-              <a:spcBef>
-                <a:spcPct val="0"/>
-              </a:spcBef>
-              <a:spcAft>
-                <a:spcPct val="0"/>
-              </a:spcAft>
-              <a:defRPr>
-                <a:solidFill>
-                  <a:schemeClr val="tx1"/>
-                </a:solidFill>
-                <a:latin typeface="Calibri" panose="020F0502020204030204" pitchFamily="34" charset="0"/>
-              </a:defRPr>
-            </a:lvl7pPr>
-            <a:lvl8pPr marL="3429000" indent="-228600" eaLnBrk="0" fontAlgn="base" hangingPunct="0">
-              <a:spcBef>
-                <a:spcPct val="0"/>
-              </a:spcBef>
-              <a:spcAft>
-                <a:spcPct val="0"/>
-              </a:spcAft>
-              <a:defRPr>
-                <a:solidFill>
-                  <a:schemeClr val="tx1"/>
-                </a:solidFill>
-                <a:latin typeface="Calibri" panose="020F0502020204030204" pitchFamily="34" charset="0"/>
-              </a:defRPr>
-            </a:lvl8pPr>
-            <a:lvl9pPr marL="3886200" indent="-228600" eaLnBrk="0" fontAlgn="base" hangingPunct="0">
-              <a:spcBef>
-                <a:spcPct val="0"/>
-              </a:spcBef>
-              <a:spcAft>
-                <a:spcPct val="0"/>
-              </a:spcAft>
-              <a:defRPr>
-                <a:solidFill>
-                  <a:schemeClr val="tx1"/>
-                </a:solidFill>
-                <a:latin typeface="Calibri" panose="020F0502020204030204" pitchFamily="34" charset="0"/>
-              </a:defRPr>
-            </a:lvl9pPr>
-          </a:lstStyle>
-          <a:p>
-            <a:pPr fontAlgn="base">
-              <a:spcBef>
-                <a:spcPct val="0"/>
-              </a:spcBef>
-              <a:spcAft>
-                <a:spcPct val="0"/>
-              </a:spcAft>
-            </a:pPr>
-            <a:r>
-              <a:rPr lang="en-US" altLang="en-US" sz="1400" i="1" dirty="0">
-                <a:solidFill>
-                  <a:schemeClr val="bg2">
-                    <a:lumMod val="40000"/>
-                    <a:lumOff val="60000"/>
-                  </a:schemeClr>
-                </a:solidFill>
-                <a:effectLst>
-                  <a:glow>
-                    <a:schemeClr val="bg1"/>
-                  </a:glow>
-                </a:effectLst>
-                <a:latin typeface="+mn-lt"/>
-              </a:rPr>
-              <a:t>outbound messages</a:t>
-            </a:r>
-          </a:p>
-        </p:txBody>
-      </p:sp>
-      <p:grpSp>
-        <p:nvGrpSpPr>
-          <p:cNvPr id="79" name="Group 78">
-            <a:extLst>
-              <a:ext uri="{FF2B5EF4-FFF2-40B4-BE49-F238E27FC236}">
-                <a16:creationId xmlns:a16="http://schemas.microsoft.com/office/drawing/2014/main" id="{9B0FC87B-1B18-B66E-FA90-FD1E4596C323}"/>
-              </a:ext>
-            </a:extLst>
-          </p:cNvPr>
-          <p:cNvGrpSpPr/>
-          <p:nvPr/>
-        </p:nvGrpSpPr>
-        <p:grpSpPr>
-          <a:xfrm>
-            <a:off x="8202325" y="3755473"/>
-            <a:ext cx="2052832" cy="518854"/>
-            <a:chOff x="5347029" y="2773663"/>
-            <a:chExt cx="2052832" cy="518854"/>
-          </a:xfrm>
-        </p:grpSpPr>
-        <p:grpSp>
-          <p:nvGrpSpPr>
-            <p:cNvPr id="80" name="Group 79">
-              <a:extLst>
-                <a:ext uri="{FF2B5EF4-FFF2-40B4-BE49-F238E27FC236}">
-                  <a16:creationId xmlns:a16="http://schemas.microsoft.com/office/drawing/2014/main" id="{03F046A2-A642-A36F-4295-E52C2B3CDD14}"/>
-                </a:ext>
-              </a:extLst>
-            </p:cNvPr>
-            <p:cNvGrpSpPr/>
-            <p:nvPr/>
-          </p:nvGrpSpPr>
-          <p:grpSpPr>
-            <a:xfrm>
-              <a:off x="5347029" y="2773663"/>
-              <a:ext cx="2052832" cy="518854"/>
-              <a:chOff x="6890274" y="2476895"/>
-              <a:chExt cx="2052832" cy="518854"/>
-            </a:xfrm>
-          </p:grpSpPr>
-          <p:sp>
-            <p:nvSpPr>
-              <p:cNvPr id="82" name="Rectangle 81">
-                <a:extLst>
-                  <a:ext uri="{FF2B5EF4-FFF2-40B4-BE49-F238E27FC236}">
-                    <a16:creationId xmlns:a16="http://schemas.microsoft.com/office/drawing/2014/main" id="{A12D71A9-9583-6C73-0347-5E799E865A95}"/>
-                  </a:ext>
-                </a:extLst>
-              </p:cNvPr>
-              <p:cNvSpPr/>
-              <p:nvPr/>
-            </p:nvSpPr>
-            <p:spPr>
-              <a:xfrm>
-                <a:off x="6890274" y="2476895"/>
-                <a:ext cx="2052832" cy="518854"/>
-              </a:xfrm>
-              <a:prstGeom prst="rect">
-                <a:avLst/>
-              </a:prstGeom>
-              <a:solidFill>
-                <a:schemeClr val="bg1">
-                  <a:lumMod val="85000"/>
-                  <a:lumOff val="15000"/>
-                </a:schemeClr>
-              </a:solidFill>
-              <a:ln>
-                <a:noFill/>
-              </a:ln>
-            </p:spPr>
-            <p:style>
-              <a:lnRef idx="2">
-                <a:schemeClr val="accent1">
-                  <a:shade val="50000"/>
-                </a:schemeClr>
-              </a:lnRef>
-              <a:fillRef idx="1">
-                <a:schemeClr val="accent1"/>
-              </a:fillRef>
-              <a:effectRef idx="0">
-                <a:schemeClr val="accent1"/>
-              </a:effectRef>
-              <a:fontRef idx="minor">
-                <a:schemeClr val="lt1"/>
-              </a:fontRef>
-            </p:style>
-            <p:txBody>
-              <a:bodyPr lIns="45720" tIns="45720" rIns="45720" bIns="72000" rtlCol="0" anchor="b"/>
-              <a:lstStyle/>
-              <a:p>
-                <a:pPr algn="ctr"/>
-                <a:endParaRPr lang="en-US" sz="1600" i="1" dirty="0">
-                  <a:solidFill>
-                    <a:schemeClr val="tx1">
-                      <a:lumMod val="75000"/>
-                    </a:schemeClr>
-                  </a:solidFill>
-                </a:endParaRPr>
-              </a:p>
-            </p:txBody>
-          </p:sp>
-          <p:sp>
-            <p:nvSpPr>
-              <p:cNvPr id="83" name="TextBox 82">
-                <a:extLst>
-                  <a:ext uri="{FF2B5EF4-FFF2-40B4-BE49-F238E27FC236}">
-                    <a16:creationId xmlns:a16="http://schemas.microsoft.com/office/drawing/2014/main" id="{C0204C81-A2AF-A7F5-ED85-1CDC562F483D}"/>
-                  </a:ext>
-                </a:extLst>
-              </p:cNvPr>
-              <p:cNvSpPr txBox="1"/>
-              <p:nvPr/>
-            </p:nvSpPr>
-            <p:spPr>
-              <a:xfrm>
-                <a:off x="7326795" y="2504674"/>
-                <a:ext cx="1586228" cy="461665"/>
-              </a:xfrm>
-              <a:prstGeom prst="rect">
-                <a:avLst/>
-              </a:prstGeom>
-              <a:noFill/>
-            </p:spPr>
-            <p:txBody>
-              <a:bodyPr wrap="square">
-                <a:spAutoFit/>
-              </a:bodyPr>
-              <a:lstStyle/>
-              <a:p>
-                <a:pPr fontAlgn="base">
-                  <a:spcBef>
-                    <a:spcPct val="0"/>
-                  </a:spcBef>
-                  <a:spcAft>
-                    <a:spcPct val="0"/>
-                  </a:spcAft>
-                </a:pPr>
-                <a:r>
-                  <a:rPr lang="en-US" altLang="en-US" sz="1200" dirty="0">
-                    <a:solidFill>
-                      <a:srgbClr val="FFFFFF"/>
-                    </a:solidFill>
-                    <a:latin typeface="Arial" panose="020B0604020202020204" pitchFamily="34" charset="0"/>
-                    <a:ea typeface="Amazon Ember" panose="020B0603020204020204" pitchFamily="34" charset="0"/>
-                    <a:cs typeface="Arial" panose="020B0604020202020204" pitchFamily="34" charset="0"/>
-                  </a:rPr>
-                  <a:t>SNS</a:t>
-                </a:r>
-                <a:br>
-                  <a:rPr lang="en-US" altLang="en-US" sz="1200" dirty="0">
-                    <a:solidFill>
-                      <a:srgbClr val="FFFFFF"/>
-                    </a:solidFill>
-                    <a:latin typeface="Arial" panose="020B0604020202020204" pitchFamily="34" charset="0"/>
-                    <a:ea typeface="Amazon Ember" panose="020B0603020204020204" pitchFamily="34" charset="0"/>
-                    <a:cs typeface="Arial" panose="020B0604020202020204" pitchFamily="34" charset="0"/>
-                  </a:rPr>
-                </a:br>
-                <a:r>
-                  <a:rPr lang="en-US" altLang="en-US" sz="1200" i="1" dirty="0">
-                    <a:solidFill>
-                      <a:schemeClr val="bg2">
-                        <a:lumMod val="40000"/>
-                        <a:lumOff val="60000"/>
-                      </a:schemeClr>
-                    </a:solidFill>
-                    <a:effectLst>
-                      <a:glow>
-                        <a:schemeClr val="bg1"/>
-                      </a:glow>
-                    </a:effectLst>
-                    <a:ea typeface="Amazon Ember" panose="020B0603020204020204" pitchFamily="34" charset="0"/>
-                    <a:cs typeface="Arial" panose="020B0604020202020204" pitchFamily="34" charset="0"/>
-                  </a:rPr>
-                  <a:t>mobile push</a:t>
-                </a:r>
-              </a:p>
-            </p:txBody>
-          </p:sp>
-        </p:grpSp>
-        <p:pic>
-          <p:nvPicPr>
-            <p:cNvPr id="81" name="Graphic 24" descr="Amazon Simple Notification Service (Amazon SNS) service icon.">
-              <a:extLst>
-                <a:ext uri="{FF2B5EF4-FFF2-40B4-BE49-F238E27FC236}">
-                  <a16:creationId xmlns:a16="http://schemas.microsoft.com/office/drawing/2014/main" id="{87F6FC34-6D9D-8B6A-92C9-061C6EC31ACE}"/>
-                </a:ext>
-              </a:extLst>
-            </p:cNvPr>
-            <p:cNvPicPr>
-              <a:picLocks noChangeAspect="1" noChangeArrowheads="1"/>
-            </p:cNvPicPr>
-            <p:nvPr/>
-          </p:nvPicPr>
-          <p:blipFill>
-            <a:blip r:embed="rId12">
-              <a:extLst>
-                <a:ext uri="{96DAC541-7B7A-43D3-8B79-37D633B846F1}">
-                  <asvg:svgBlip xmlns:asvg="http://schemas.microsoft.com/office/drawing/2016/SVG/main" r:embed="rId13"/>
-                </a:ext>
-              </a:extLst>
-            </a:blip>
-            <a:srcRect/>
-            <a:stretch/>
-          </p:blipFill>
-          <p:spPr bwMode="auto">
-            <a:xfrm>
-              <a:off x="5426958" y="2853090"/>
-              <a:ext cx="360000" cy="360000"/>
-            </a:xfrm>
-            <a:prstGeom prst="rect">
-              <a:avLst/>
-            </a:prstGeom>
-            <a:noFill/>
-            <a:ln>
-              <a:noFill/>
-            </a:ln>
-            <a:extLst>
-              <a:ext uri="{909E8E84-426E-40DD-AFC4-6F175D3DCCD1}">
-                <a14:hiddenFill xmlns:a14="http://schemas.microsoft.com/office/drawing/2010/main">
-                  <a:solidFill>
-                    <a:srgbClr val="FFFFFF"/>
-                  </a:solidFill>
-                </a14:hiddenFill>
-              </a:ext>
-              <a:ext uri="{91240B29-F687-4F45-9708-019B960494DF}">
-                <a14:hiddenLine xmlns:a14="http://schemas.microsoft.com/office/drawing/2010/main" w="9525">
-                  <a:solidFill>
-                    <a:srgbClr val="000000"/>
-                  </a:solidFill>
-                  <a:miter lim="800000"/>
-                  <a:headEnd/>
-                  <a:tailEnd/>
-                </a14:hiddenLine>
-              </a:ext>
-            </a:extLst>
-          </p:spPr>
-        </p:pic>
-      </p:grpSp>
-      <p:cxnSp>
-        <p:nvCxnSpPr>
-          <p:cNvPr id="84" name="Straight Arrow Connector 12">
-            <a:extLst>
-              <a:ext uri="{FF2B5EF4-FFF2-40B4-BE49-F238E27FC236}">
-                <a16:creationId xmlns:a16="http://schemas.microsoft.com/office/drawing/2014/main" id="{F21D5A7E-DDC4-F268-AB5C-C781E5D81D52}"/>
-              </a:ext>
-            </a:extLst>
-          </p:cNvPr>
-          <p:cNvCxnSpPr>
-            <a:cxnSpLocks/>
-            <a:stCxn id="8" idx="3"/>
-            <a:endCxn id="42" idx="0"/>
-          </p:cNvCxnSpPr>
-          <p:nvPr/>
-        </p:nvCxnSpPr>
-        <p:spPr>
-          <a:xfrm>
-            <a:off x="10255157" y="2270706"/>
-            <a:ext cx="1063891" cy="356653"/>
-          </a:xfrm>
-          <a:prstGeom prst="bentConnector2">
-            <a:avLst/>
-          </a:prstGeom>
-          <a:ln w="19050" cap="rnd">
-            <a:solidFill>
-              <a:schemeClr val="tx1">
-                <a:lumMod val="75000"/>
-              </a:schemeClr>
-            </a:solidFill>
-            <a:round/>
-            <a:tailEnd type="triangle" w="lg" len="lg"/>
-          </a:ln>
-        </p:spPr>
-        <p:style>
-          <a:lnRef idx="1">
-            <a:schemeClr val="accent1"/>
-          </a:lnRef>
-          <a:fillRef idx="0">
-            <a:schemeClr val="accent1"/>
-          </a:fillRef>
-          <a:effectRef idx="0">
-            <a:schemeClr val="accent1"/>
-          </a:effectRef>
-          <a:fontRef idx="minor">
-            <a:schemeClr val="tx1"/>
-          </a:fontRef>
-        </p:style>
-      </p:cxnSp>
-      <p:sp>
-        <p:nvSpPr>
-          <p:cNvPr id="91" name="Rectangle 90">
-            <a:extLst>
-              <a:ext uri="{FF2B5EF4-FFF2-40B4-BE49-F238E27FC236}">
-                <a16:creationId xmlns:a16="http://schemas.microsoft.com/office/drawing/2014/main" id="{DF45E95C-4941-F853-390F-575D2ED64F37}"/>
-              </a:ext>
-            </a:extLst>
-          </p:cNvPr>
-          <p:cNvSpPr/>
-          <p:nvPr/>
-        </p:nvSpPr>
-        <p:spPr>
-          <a:xfrm>
-            <a:off x="3475375" y="1551908"/>
-            <a:ext cx="969060" cy="392400"/>
-          </a:xfrm>
-          <a:prstGeom prst="rect">
-            <a:avLst/>
-          </a:prstGeom>
-          <a:solidFill>
-            <a:schemeClr val="accent1">
-              <a:lumMod val="40000"/>
-              <a:lumOff val="60000"/>
-            </a:schemeClr>
-          </a:solidFill>
-          <a:ln w="28575">
-            <a:solidFill>
-              <a:schemeClr val="tx1">
-                <a:lumMod val="50000"/>
-              </a:schemeClr>
-            </a:solidFill>
-            <a:prstDash val="solid"/>
-          </a:ln>
-        </p:spPr>
-        <p:style>
-          <a:lnRef idx="2">
-            <a:schemeClr val="accent1">
-              <a:shade val="50000"/>
-            </a:schemeClr>
-          </a:lnRef>
-          <a:fillRef idx="1">
-            <a:schemeClr val="accent1"/>
-          </a:fillRef>
-          <a:effectRef idx="0">
-            <a:schemeClr val="accent1"/>
-          </a:effectRef>
-          <a:fontRef idx="minor">
-            <a:schemeClr val="lt1"/>
-          </a:fontRef>
-        </p:style>
-        <p:txBody>
-          <a:bodyPr lIns="0" tIns="144000" rIns="0" bIns="144000" anchor="ctr"/>
-          <a:lstStyle/>
-          <a:p>
-            <a:pPr algn="ctr"/>
-            <a:r>
-              <a:rPr lang="en-GB" sz="2800" baseline="-9000" dirty="0">
-                <a:solidFill>
-                  <a:schemeClr val="tx1"/>
-                </a:solidFill>
-                <a:effectLst>
-                  <a:glow>
-                    <a:schemeClr val="bg1"/>
-                  </a:glow>
-                </a:effectLst>
-              </a:rPr>
-              <a:t>📮 </a:t>
-            </a:r>
-            <a:r>
-              <a:rPr lang="en-US" sz="2000" dirty="0">
-                <a:solidFill>
-                  <a:schemeClr val="bg1"/>
-                </a:solidFill>
-                <a:latin typeface="+mj-lt"/>
-                <a:cs typeface="Arial" panose="020B0604020202020204" pitchFamily="34" charset="0"/>
-              </a:rPr>
-              <a:t>post</a:t>
-            </a:r>
-            <a:endParaRPr lang="en-US" sz="1600" dirty="0">
-              <a:solidFill>
-                <a:schemeClr val="bg1"/>
-              </a:solidFill>
-              <a:latin typeface="+mj-lt"/>
-              <a:cs typeface="Arial" panose="020B0604020202020204" pitchFamily="34" charset="0"/>
-            </a:endParaRPr>
-          </a:p>
-        </p:txBody>
-      </p:sp>
-      <p:cxnSp>
-        <p:nvCxnSpPr>
-          <p:cNvPr id="99" name="Straight Arrow Connector 12">
-            <a:extLst>
-              <a:ext uri="{FF2B5EF4-FFF2-40B4-BE49-F238E27FC236}">
-                <a16:creationId xmlns:a16="http://schemas.microsoft.com/office/drawing/2014/main" id="{D1F16596-A66B-9DBD-8D3D-82246DA2DE2C}"/>
-              </a:ext>
-            </a:extLst>
-          </p:cNvPr>
-          <p:cNvCxnSpPr>
-            <a:cxnSpLocks/>
-            <a:stCxn id="25" idx="0"/>
-          </p:cNvCxnSpPr>
-          <p:nvPr/>
-        </p:nvCxnSpPr>
-        <p:spPr>
-          <a:xfrm rot="5400000" flipH="1" flipV="1">
-            <a:off x="2967617" y="571683"/>
-            <a:ext cx="896697" cy="1055756"/>
-          </a:xfrm>
-          <a:prstGeom prst="bentConnector2">
-            <a:avLst/>
-          </a:prstGeom>
-          <a:ln w="19050" cap="rnd">
-            <a:solidFill>
-              <a:schemeClr val="tx1">
-                <a:lumMod val="75000"/>
-              </a:schemeClr>
-            </a:solidFill>
-            <a:round/>
-            <a:tailEnd type="triangle" w="lg" len="lg"/>
-          </a:ln>
-        </p:spPr>
-        <p:style>
-          <a:lnRef idx="1">
-            <a:schemeClr val="accent1"/>
-          </a:lnRef>
-          <a:fillRef idx="0">
-            <a:schemeClr val="accent1"/>
-          </a:fillRef>
-          <a:effectRef idx="0">
-            <a:schemeClr val="accent1"/>
-          </a:effectRef>
-          <a:fontRef idx="minor">
-            <a:schemeClr val="tx1"/>
-          </a:fontRef>
-        </p:style>
-      </p:cxnSp>
-      <p:sp>
-        <p:nvSpPr>
-          <p:cNvPr id="102" name="TextBox 12">
-            <a:extLst>
-              <a:ext uri="{FF2B5EF4-FFF2-40B4-BE49-F238E27FC236}">
-                <a16:creationId xmlns:a16="http://schemas.microsoft.com/office/drawing/2014/main" id="{7D98A272-B0ED-6423-9D96-11352E93A463}"/>
-              </a:ext>
-            </a:extLst>
-          </p:cNvPr>
-          <p:cNvSpPr txBox="1">
-            <a:spLocks noChangeArrowheads="1"/>
-          </p:cNvSpPr>
-          <p:nvPr/>
-        </p:nvSpPr>
-        <p:spPr bwMode="auto">
-          <a:xfrm>
-            <a:off x="10039539" y="1735765"/>
-            <a:ext cx="1391757" cy="523220"/>
-          </a:xfrm>
-          <a:prstGeom prst="rect">
-            <a:avLst/>
-          </a:prstGeom>
-          <a:noFill/>
-          <a:ln>
-            <a:noFill/>
-          </a:ln>
-          <a:extLst>
-            <a:ext uri="{909E8E84-426E-40DD-AFC4-6F175D3DCCD1}">
-              <a14:hiddenFill xmlns:a14="http://schemas.microsoft.com/office/drawing/2010/main">
-                <a:solidFill>
-                  <a:srgbClr val="FFFFFF"/>
-                </a:solidFill>
-              </a14:hiddenFill>
-            </a:ext>
-            <a:ext uri="{91240B29-F687-4F45-9708-019B960494DF}">
-              <a14:hiddenLine xmlns:a14="http://schemas.microsoft.com/office/drawing/2010/main" w="9525">
-                <a:solidFill>
-                  <a:srgbClr val="000000"/>
-                </a:solidFill>
-                <a:miter lim="800000"/>
-                <a:headEnd/>
-                <a:tailEnd/>
-              </a14:hiddenLine>
-            </a:ext>
-          </a:extLst>
-        </p:spPr>
-        <p:txBody>
-          <a:bodyPr wrap="square">
-            <a:spAutoFit/>
-          </a:bodyPr>
-          <a:lstStyle>
-            <a:lvl1pPr>
-              <a:defRPr>
-                <a:solidFill>
-                  <a:schemeClr val="tx1"/>
-                </a:solidFill>
-                <a:latin typeface="Calibri" panose="020F0502020204030204" pitchFamily="34" charset="0"/>
-              </a:defRPr>
-            </a:lvl1pPr>
-            <a:lvl2pPr marL="742950" indent="-285750">
-              <a:defRPr>
-                <a:solidFill>
-                  <a:schemeClr val="tx1"/>
-                </a:solidFill>
-                <a:latin typeface="Calibri" panose="020F0502020204030204" pitchFamily="34" charset="0"/>
-              </a:defRPr>
-            </a:lvl2pPr>
-            <a:lvl3pPr marL="1143000" indent="-228600">
-              <a:defRPr>
-                <a:solidFill>
-                  <a:schemeClr val="tx1"/>
-                </a:solidFill>
-                <a:latin typeface="Calibri" panose="020F0502020204030204" pitchFamily="34" charset="0"/>
-              </a:defRPr>
-            </a:lvl3pPr>
-            <a:lvl4pPr marL="1600200" indent="-228600">
-              <a:defRPr>
-                <a:solidFill>
-                  <a:schemeClr val="tx1"/>
-                </a:solidFill>
-                <a:latin typeface="Calibri" panose="020F0502020204030204" pitchFamily="34" charset="0"/>
-              </a:defRPr>
-            </a:lvl4pPr>
-            <a:lvl5pPr marL="2057400" indent="-228600">
-              <a:defRPr>
-                <a:solidFill>
-                  <a:schemeClr val="tx1"/>
-                </a:solidFill>
-                <a:latin typeface="Calibri" panose="020F0502020204030204" pitchFamily="34" charset="0"/>
-              </a:defRPr>
-            </a:lvl5pPr>
-            <a:lvl6pPr marL="2514600" indent="-228600" eaLnBrk="0" fontAlgn="base" hangingPunct="0">
-              <a:spcBef>
-                <a:spcPct val="0"/>
-              </a:spcBef>
-              <a:spcAft>
-                <a:spcPct val="0"/>
-              </a:spcAft>
-              <a:defRPr>
-                <a:solidFill>
-                  <a:schemeClr val="tx1"/>
-                </a:solidFill>
-                <a:latin typeface="Calibri" panose="020F0502020204030204" pitchFamily="34" charset="0"/>
-              </a:defRPr>
-            </a:lvl6pPr>
-            <a:lvl7pPr marL="2971800" indent="-228600" eaLnBrk="0" fontAlgn="base" hangingPunct="0">
-              <a:spcBef>
-                <a:spcPct val="0"/>
-              </a:spcBef>
-              <a:spcAft>
-                <a:spcPct val="0"/>
-              </a:spcAft>
-              <a:defRPr>
-                <a:solidFill>
-                  <a:schemeClr val="tx1"/>
-                </a:solidFill>
-                <a:latin typeface="Calibri" panose="020F0502020204030204" pitchFamily="34" charset="0"/>
-              </a:defRPr>
-            </a:lvl7pPr>
-            <a:lvl8pPr marL="3429000" indent="-228600" eaLnBrk="0" fontAlgn="base" hangingPunct="0">
-              <a:spcBef>
-                <a:spcPct val="0"/>
-              </a:spcBef>
-              <a:spcAft>
-                <a:spcPct val="0"/>
-              </a:spcAft>
-              <a:defRPr>
-                <a:solidFill>
-                  <a:schemeClr val="tx1"/>
-                </a:solidFill>
-                <a:latin typeface="Calibri" panose="020F0502020204030204" pitchFamily="34" charset="0"/>
-              </a:defRPr>
-            </a:lvl8pPr>
-            <a:lvl9pPr marL="3886200" indent="-228600" eaLnBrk="0" fontAlgn="base" hangingPunct="0">
-              <a:spcBef>
-                <a:spcPct val="0"/>
-              </a:spcBef>
-              <a:spcAft>
-                <a:spcPct val="0"/>
-              </a:spcAft>
-              <a:defRPr>
-                <a:solidFill>
-                  <a:schemeClr val="tx1"/>
-                </a:solidFill>
-                <a:latin typeface="Calibri" panose="020F0502020204030204" pitchFamily="34" charset="0"/>
-              </a:defRPr>
-            </a:lvl9pPr>
-          </a:lstStyle>
-          <a:p>
-            <a:pPr algn="r" fontAlgn="base">
-              <a:spcBef>
-                <a:spcPct val="0"/>
-              </a:spcBef>
-              <a:spcAft>
-                <a:spcPct val="0"/>
-              </a:spcAft>
-            </a:pPr>
-            <a:r>
-              <a:rPr lang="en-US" altLang="en-US" sz="1400" i="1" dirty="0">
-                <a:solidFill>
-                  <a:schemeClr val="bg2">
-                    <a:lumMod val="40000"/>
-                    <a:lumOff val="60000"/>
-                  </a:schemeClr>
-                </a:solidFill>
-                <a:effectLst>
-                  <a:glow>
-                    <a:schemeClr val="bg1"/>
-                  </a:glow>
-                </a:effectLst>
-                <a:latin typeface="+mn-lt"/>
-              </a:rPr>
-              <a:t>inbound messages</a:t>
-            </a:r>
-          </a:p>
-        </p:txBody>
-      </p:sp>
-      <p:cxnSp>
-        <p:nvCxnSpPr>
-          <p:cNvPr id="104" name="Straight Arrow Connector 12">
-            <a:extLst>
-              <a:ext uri="{FF2B5EF4-FFF2-40B4-BE49-F238E27FC236}">
-                <a16:creationId xmlns:a16="http://schemas.microsoft.com/office/drawing/2014/main" id="{2DF96F14-858D-BE85-2AC0-61BDD5AABB92}"/>
-              </a:ext>
-            </a:extLst>
-          </p:cNvPr>
-          <p:cNvCxnSpPr>
-            <a:cxnSpLocks/>
-            <a:stCxn id="27" idx="2"/>
-            <a:endCxn id="56" idx="1"/>
-          </p:cNvCxnSpPr>
-          <p:nvPr/>
-        </p:nvCxnSpPr>
-        <p:spPr>
-          <a:xfrm rot="16200000" flipH="1">
-            <a:off x="1473185" y="1921897"/>
-            <a:ext cx="388094" cy="1459061"/>
-          </a:xfrm>
-          <a:prstGeom prst="bentConnector2">
-            <a:avLst/>
-          </a:prstGeom>
-          <a:ln w="19050" cap="rnd">
-            <a:solidFill>
-              <a:schemeClr val="tx1">
-                <a:lumMod val="75000"/>
-              </a:schemeClr>
-            </a:solidFill>
-            <a:round/>
-            <a:tailEnd type="triangle" w="lg" len="lg"/>
-          </a:ln>
-        </p:spPr>
-        <p:style>
-          <a:lnRef idx="1">
-            <a:schemeClr val="accent1"/>
-          </a:lnRef>
-          <a:fillRef idx="0">
-            <a:schemeClr val="accent1"/>
-          </a:fillRef>
-          <a:effectRef idx="0">
-            <a:schemeClr val="accent1"/>
-          </a:effectRef>
-          <a:fontRef idx="minor">
-            <a:schemeClr val="tx1"/>
-          </a:fontRef>
-        </p:style>
-      </p:cxnSp>
-      <p:sp>
-        <p:nvSpPr>
-          <p:cNvPr id="110" name="TextBox 109">
-            <a:extLst>
-              <a:ext uri="{FF2B5EF4-FFF2-40B4-BE49-F238E27FC236}">
-                <a16:creationId xmlns:a16="http://schemas.microsoft.com/office/drawing/2014/main" id="{D3E3684A-C1A4-73C8-F535-8DC5C6F467D3}"/>
-              </a:ext>
-            </a:extLst>
-          </p:cNvPr>
-          <p:cNvSpPr txBox="1"/>
-          <p:nvPr/>
-        </p:nvSpPr>
-        <p:spPr>
-          <a:xfrm>
-            <a:off x="206409" y="6409189"/>
-            <a:ext cx="1941237" cy="369332"/>
-          </a:xfrm>
-          <a:prstGeom prst="rect">
-            <a:avLst/>
-          </a:prstGeom>
-          <a:noFill/>
-        </p:spPr>
-        <p:txBody>
-          <a:bodyPr wrap="none" lIns="0" rIns="0" rtlCol="0">
-            <a:spAutoFit/>
-          </a:bodyPr>
-          <a:lstStyle/>
-          <a:p>
-            <a:pPr algn="l"/>
-            <a:r>
-              <a:rPr lang="en-US" dirty="0">
-                <a:solidFill>
-                  <a:srgbClr val="FFFF00"/>
-                </a:solidFill>
-              </a:rPr>
-              <a:t>NOTIFIER ON AWS</a:t>
-            </a:r>
-          </a:p>
-        </p:txBody>
-      </p:sp>
-      <p:sp>
-        <p:nvSpPr>
-          <p:cNvPr id="111" name="Rectangle 110">
-            <a:extLst>
-              <a:ext uri="{FF2B5EF4-FFF2-40B4-BE49-F238E27FC236}">
-                <a16:creationId xmlns:a16="http://schemas.microsoft.com/office/drawing/2014/main" id="{F440C2A9-C8FE-2F5D-F1CF-0D3C1DA363B8}"/>
-              </a:ext>
-            </a:extLst>
-          </p:cNvPr>
-          <p:cNvSpPr/>
-          <p:nvPr/>
-        </p:nvSpPr>
-        <p:spPr>
-          <a:xfrm>
-            <a:off x="5303518" y="3883065"/>
-            <a:ext cx="2040877" cy="391090"/>
-          </a:xfrm>
-          <a:prstGeom prst="rect">
-            <a:avLst/>
-          </a:prstGeom>
-          <a:solidFill>
-            <a:schemeClr val="accent5">
-              <a:lumMod val="20000"/>
-              <a:lumOff val="80000"/>
-            </a:schemeClr>
-          </a:solidFill>
-          <a:ln w="28575">
-            <a:solidFill>
-              <a:schemeClr val="tx1">
-                <a:lumMod val="50000"/>
-              </a:schemeClr>
-            </a:solidFill>
-            <a:prstDash val="solid"/>
-          </a:ln>
-        </p:spPr>
-        <p:style>
-          <a:lnRef idx="2">
-            <a:schemeClr val="accent1">
-              <a:shade val="50000"/>
-            </a:schemeClr>
-          </a:lnRef>
-          <a:fillRef idx="1">
-            <a:schemeClr val="accent1"/>
-          </a:fillRef>
-          <a:effectRef idx="0">
-            <a:schemeClr val="accent1"/>
-          </a:effectRef>
-          <a:fontRef idx="minor">
-            <a:schemeClr val="lt1"/>
-          </a:fontRef>
-        </p:style>
-        <p:txBody>
-          <a:bodyPr lIns="0" tIns="144000" rIns="0" bIns="144000" anchor="ctr"/>
-          <a:lstStyle/>
-          <a:p>
-            <a:pPr algn="ctr"/>
-            <a:r>
-              <a:rPr lang="en-GB" sz="2400" baseline="-9000" dirty="0">
-                <a:solidFill>
-                  <a:schemeClr val="bg2">
-                    <a:lumMod val="40000"/>
-                    <a:lumOff val="60000"/>
-                  </a:schemeClr>
-                </a:solidFill>
-                <a:effectLst>
-                  <a:glow>
-                    <a:schemeClr val="bg1"/>
-                  </a:glow>
-                </a:effectLst>
-              </a:rPr>
-              <a:t>📜</a:t>
-            </a:r>
-            <a:r>
-              <a:rPr lang="en-GB" sz="2800" baseline="-9000" dirty="0">
-                <a:solidFill>
-                  <a:schemeClr val="tx1"/>
-                </a:solidFill>
-                <a:effectLst>
-                  <a:glow>
-                    <a:schemeClr val="bg1"/>
-                  </a:glow>
-                </a:effectLst>
-              </a:rPr>
-              <a:t> </a:t>
-            </a:r>
-            <a:r>
-              <a:rPr lang="en-US" sz="2000" dirty="0">
-                <a:solidFill>
-                  <a:schemeClr val="bg1"/>
-                </a:solidFill>
-                <a:latin typeface="+mj-lt"/>
-                <a:cs typeface="Arial" panose="020B0604020202020204" pitchFamily="34" charset="0"/>
-              </a:rPr>
-              <a:t>manifester</a:t>
-            </a:r>
-            <a:endParaRPr lang="en-US" sz="1600" dirty="0">
-              <a:solidFill>
-                <a:schemeClr val="bg1"/>
-              </a:solidFill>
-              <a:latin typeface="+mj-lt"/>
-              <a:cs typeface="Arial" panose="020B0604020202020204" pitchFamily="34" charset="0"/>
-            </a:endParaRPr>
-          </a:p>
-        </p:txBody>
-      </p:sp>
-      <p:sp>
-        <p:nvSpPr>
-          <p:cNvPr id="115" name="TextBox 12">
-            <a:extLst>
-              <a:ext uri="{FF2B5EF4-FFF2-40B4-BE49-F238E27FC236}">
-                <a16:creationId xmlns:a16="http://schemas.microsoft.com/office/drawing/2014/main" id="{0D1030D3-CBAE-438C-4EE1-872A9AE618F0}"/>
-              </a:ext>
-            </a:extLst>
-          </p:cNvPr>
-          <p:cNvSpPr txBox="1">
-            <a:spLocks noChangeArrowheads="1"/>
-          </p:cNvSpPr>
-          <p:nvPr/>
-        </p:nvSpPr>
-        <p:spPr bwMode="auto">
-          <a:xfrm>
-            <a:off x="6807033" y="1946845"/>
-            <a:ext cx="1391757" cy="307777"/>
-          </a:xfrm>
-          <a:prstGeom prst="rect">
-            <a:avLst/>
-          </a:prstGeom>
-          <a:noFill/>
-          <a:ln>
-            <a:noFill/>
-          </a:ln>
-          <a:extLst>
-            <a:ext uri="{909E8E84-426E-40DD-AFC4-6F175D3DCCD1}">
-              <a14:hiddenFill xmlns:a14="http://schemas.microsoft.com/office/drawing/2010/main">
-                <a:solidFill>
-                  <a:srgbClr val="FFFFFF"/>
-                </a:solidFill>
-              </a14:hiddenFill>
-            </a:ext>
-            <a:ext uri="{91240B29-F687-4F45-9708-019B960494DF}">
-              <a14:hiddenLine xmlns:a14="http://schemas.microsoft.com/office/drawing/2010/main" w="9525">
-                <a:solidFill>
-                  <a:srgbClr val="000000"/>
-                </a:solidFill>
-                <a:miter lim="800000"/>
-                <a:headEnd/>
-                <a:tailEnd/>
-              </a14:hiddenLine>
-            </a:ext>
-          </a:extLst>
-        </p:spPr>
-        <p:txBody>
-          <a:bodyPr wrap="square">
-            <a:spAutoFit/>
-          </a:bodyPr>
-          <a:lstStyle>
-            <a:lvl1pPr>
-              <a:defRPr>
-                <a:solidFill>
-                  <a:schemeClr val="tx1"/>
-                </a:solidFill>
-                <a:latin typeface="Calibri" panose="020F0502020204030204" pitchFamily="34" charset="0"/>
-              </a:defRPr>
-            </a:lvl1pPr>
-            <a:lvl2pPr marL="742950" indent="-285750">
-              <a:defRPr>
-                <a:solidFill>
-                  <a:schemeClr val="tx1"/>
-                </a:solidFill>
-                <a:latin typeface="Calibri" panose="020F0502020204030204" pitchFamily="34" charset="0"/>
-              </a:defRPr>
-            </a:lvl2pPr>
-            <a:lvl3pPr marL="1143000" indent="-228600">
-              <a:defRPr>
-                <a:solidFill>
-                  <a:schemeClr val="tx1"/>
-                </a:solidFill>
-                <a:latin typeface="Calibri" panose="020F0502020204030204" pitchFamily="34" charset="0"/>
-              </a:defRPr>
-            </a:lvl3pPr>
-            <a:lvl4pPr marL="1600200" indent="-228600">
-              <a:defRPr>
-                <a:solidFill>
-                  <a:schemeClr val="tx1"/>
-                </a:solidFill>
-                <a:latin typeface="Calibri" panose="020F0502020204030204" pitchFamily="34" charset="0"/>
-              </a:defRPr>
-            </a:lvl4pPr>
-            <a:lvl5pPr marL="2057400" indent="-228600">
-              <a:defRPr>
-                <a:solidFill>
-                  <a:schemeClr val="tx1"/>
-                </a:solidFill>
-                <a:latin typeface="Calibri" panose="020F0502020204030204" pitchFamily="34" charset="0"/>
-              </a:defRPr>
-            </a:lvl5pPr>
-            <a:lvl6pPr marL="2514600" indent="-228600" eaLnBrk="0" fontAlgn="base" hangingPunct="0">
-              <a:spcBef>
-                <a:spcPct val="0"/>
-              </a:spcBef>
-              <a:spcAft>
-                <a:spcPct val="0"/>
-              </a:spcAft>
-              <a:defRPr>
-                <a:solidFill>
-                  <a:schemeClr val="tx1"/>
-                </a:solidFill>
-                <a:latin typeface="Calibri" panose="020F0502020204030204" pitchFamily="34" charset="0"/>
-              </a:defRPr>
-            </a:lvl6pPr>
-            <a:lvl7pPr marL="2971800" indent="-228600" eaLnBrk="0" fontAlgn="base" hangingPunct="0">
-              <a:spcBef>
-                <a:spcPct val="0"/>
-              </a:spcBef>
-              <a:spcAft>
-                <a:spcPct val="0"/>
-              </a:spcAft>
-              <a:defRPr>
-                <a:solidFill>
-                  <a:schemeClr val="tx1"/>
-                </a:solidFill>
-                <a:latin typeface="Calibri" panose="020F0502020204030204" pitchFamily="34" charset="0"/>
-              </a:defRPr>
-            </a:lvl7pPr>
-            <a:lvl8pPr marL="3429000" indent="-228600" eaLnBrk="0" fontAlgn="base" hangingPunct="0">
-              <a:spcBef>
-                <a:spcPct val="0"/>
-              </a:spcBef>
-              <a:spcAft>
-                <a:spcPct val="0"/>
-              </a:spcAft>
-              <a:defRPr>
-                <a:solidFill>
-                  <a:schemeClr val="tx1"/>
-                </a:solidFill>
-                <a:latin typeface="Calibri" panose="020F0502020204030204" pitchFamily="34" charset="0"/>
-              </a:defRPr>
-            </a:lvl8pPr>
-            <a:lvl9pPr marL="3886200" indent="-228600" eaLnBrk="0" fontAlgn="base" hangingPunct="0">
-              <a:spcBef>
-                <a:spcPct val="0"/>
-              </a:spcBef>
-              <a:spcAft>
-                <a:spcPct val="0"/>
-              </a:spcAft>
-              <a:defRPr>
-                <a:solidFill>
-                  <a:schemeClr val="tx1"/>
-                </a:solidFill>
-                <a:latin typeface="Calibri" panose="020F0502020204030204" pitchFamily="34" charset="0"/>
-              </a:defRPr>
-            </a:lvl9pPr>
-          </a:lstStyle>
-          <a:p>
-            <a:pPr algn="r" fontAlgn="base">
-              <a:spcBef>
-                <a:spcPct val="0"/>
-              </a:spcBef>
-              <a:spcAft>
-                <a:spcPct val="0"/>
-              </a:spcAft>
-            </a:pPr>
-            <a:r>
-              <a:rPr lang="en-US" altLang="en-US" sz="1400" i="1" dirty="0">
-                <a:solidFill>
-                  <a:schemeClr val="bg2">
-                    <a:lumMod val="40000"/>
-                    <a:lumOff val="60000"/>
-                  </a:schemeClr>
-                </a:solidFill>
-                <a:effectLst>
-                  <a:glow>
-                    <a:schemeClr val="bg1"/>
-                  </a:glow>
-                </a:effectLst>
-                <a:latin typeface="+mn-lt"/>
-              </a:rPr>
-              <a:t>read</a:t>
-            </a:r>
-          </a:p>
-        </p:txBody>
-      </p:sp>
-      <p:grpSp>
-        <p:nvGrpSpPr>
-          <p:cNvPr id="117" name="Group 116">
-            <a:extLst>
-              <a:ext uri="{FF2B5EF4-FFF2-40B4-BE49-F238E27FC236}">
-                <a16:creationId xmlns:a16="http://schemas.microsoft.com/office/drawing/2014/main" id="{B71C979B-BF62-0624-0112-DA79CEB178D5}"/>
-              </a:ext>
-            </a:extLst>
-          </p:cNvPr>
-          <p:cNvGrpSpPr/>
-          <p:nvPr/>
-        </p:nvGrpSpPr>
-        <p:grpSpPr>
-          <a:xfrm>
-            <a:off x="8202324" y="3162685"/>
-            <a:ext cx="2059300" cy="526866"/>
-            <a:chOff x="5213066" y="4154508"/>
-            <a:chExt cx="2059300" cy="526866"/>
-          </a:xfrm>
-        </p:grpSpPr>
-        <p:grpSp>
-          <p:nvGrpSpPr>
-            <p:cNvPr id="118" name="Group 117">
-              <a:extLst>
-                <a:ext uri="{FF2B5EF4-FFF2-40B4-BE49-F238E27FC236}">
-                  <a16:creationId xmlns:a16="http://schemas.microsoft.com/office/drawing/2014/main" id="{F841CE61-82B6-1400-2827-B64770F4AE22}"/>
-                </a:ext>
-              </a:extLst>
-            </p:cNvPr>
-            <p:cNvGrpSpPr/>
-            <p:nvPr/>
-          </p:nvGrpSpPr>
-          <p:grpSpPr>
-            <a:xfrm>
-              <a:off x="5213066" y="4154508"/>
-              <a:ext cx="2059300" cy="526866"/>
-              <a:chOff x="3988799" y="2607286"/>
-              <a:chExt cx="2059300" cy="526866"/>
-            </a:xfrm>
-          </p:grpSpPr>
-          <p:grpSp>
-            <p:nvGrpSpPr>
-              <p:cNvPr id="120" name="Group 119">
-                <a:extLst>
-                  <a:ext uri="{FF2B5EF4-FFF2-40B4-BE49-F238E27FC236}">
-                    <a16:creationId xmlns:a16="http://schemas.microsoft.com/office/drawing/2014/main" id="{F96BD0D8-49AF-01CE-A404-71A7E2885DCB}"/>
-                  </a:ext>
-                </a:extLst>
-              </p:cNvPr>
-              <p:cNvGrpSpPr/>
-              <p:nvPr/>
-            </p:nvGrpSpPr>
-            <p:grpSpPr>
-              <a:xfrm>
-                <a:off x="3988799" y="2607286"/>
-                <a:ext cx="2059299" cy="526866"/>
-                <a:chOff x="6936301" y="3283309"/>
-                <a:chExt cx="2059299" cy="526866"/>
-              </a:xfrm>
-            </p:grpSpPr>
-            <p:sp>
-              <p:nvSpPr>
-                <p:cNvPr id="122" name="TextBox 121">
-                  <a:extLst>
-                    <a:ext uri="{FF2B5EF4-FFF2-40B4-BE49-F238E27FC236}">
-                      <a16:creationId xmlns:a16="http://schemas.microsoft.com/office/drawing/2014/main" id="{7537E101-91C9-2C84-ACEB-4F7F4FFD4FAE}"/>
-                    </a:ext>
-                  </a:extLst>
-                </p:cNvPr>
-                <p:cNvSpPr txBox="1"/>
-                <p:nvPr/>
-              </p:nvSpPr>
-              <p:spPr>
-                <a:xfrm>
-                  <a:off x="8369843" y="3283310"/>
-                  <a:ext cx="254000" cy="466492"/>
-                </a:xfrm>
-                <a:prstGeom prst="rect">
-                  <a:avLst/>
-                </a:prstGeom>
-                <a:noFill/>
-              </p:spPr>
-              <p:txBody>
-                <a:bodyPr wrap="none" lIns="0" rIns="0" rtlCol="0">
-                  <a:noAutofit/>
-                </a:bodyPr>
-                <a:lstStyle/>
-                <a:p>
-                  <a:pPr algn="l"/>
-                  <a:r>
-                    <a:rPr lang="en-US" dirty="0"/>
-                    <a:t>   </a:t>
-                  </a:r>
-                </a:p>
-              </p:txBody>
-            </p:sp>
-            <p:sp>
-              <p:nvSpPr>
-                <p:cNvPr id="123" name="Rectangle 122">
-                  <a:extLst>
-                    <a:ext uri="{FF2B5EF4-FFF2-40B4-BE49-F238E27FC236}">
-                      <a16:creationId xmlns:a16="http://schemas.microsoft.com/office/drawing/2014/main" id="{01B861D8-E3B9-9A76-413B-719F2F01B63B}"/>
-                    </a:ext>
-                  </a:extLst>
-                </p:cNvPr>
-                <p:cNvSpPr/>
-                <p:nvPr/>
-              </p:nvSpPr>
-              <p:spPr>
-                <a:xfrm>
-                  <a:off x="6936301" y="3291775"/>
-                  <a:ext cx="2059299" cy="518400"/>
-                </a:xfrm>
-                <a:prstGeom prst="rect">
-                  <a:avLst/>
-                </a:prstGeom>
-                <a:solidFill>
-                  <a:schemeClr val="bg1">
-                    <a:lumMod val="85000"/>
-                    <a:lumOff val="15000"/>
-                  </a:schemeClr>
-                </a:solidFill>
-                <a:ln>
-                  <a:noFill/>
-                </a:ln>
-              </p:spPr>
-              <p:style>
-                <a:lnRef idx="2">
-                  <a:schemeClr val="accent1">
-                    <a:shade val="50000"/>
-                  </a:schemeClr>
-                </a:lnRef>
-                <a:fillRef idx="1">
-                  <a:schemeClr val="accent1"/>
-                </a:fillRef>
-                <a:effectRef idx="0">
-                  <a:schemeClr val="accent1"/>
-                </a:effectRef>
-                <a:fontRef idx="minor">
-                  <a:schemeClr val="lt1"/>
-                </a:fontRef>
-              </p:style>
-              <p:txBody>
-                <a:bodyPr lIns="45720" tIns="45720" rIns="45720" rtlCol="0" anchor="b"/>
-                <a:lstStyle/>
-                <a:p>
-                  <a:pPr algn="ctr"/>
-                  <a:endParaRPr lang="en-US" sz="1600" i="1" dirty="0">
-                    <a:solidFill>
-                      <a:schemeClr val="tx1">
-                        <a:lumMod val="75000"/>
-                      </a:schemeClr>
-                    </a:solidFill>
-                  </a:endParaRPr>
-                </a:p>
-              </p:txBody>
-            </p:sp>
-            <p:sp>
-              <p:nvSpPr>
-                <p:cNvPr id="124" name="TextBox 123">
-                  <a:extLst>
-                    <a:ext uri="{FF2B5EF4-FFF2-40B4-BE49-F238E27FC236}">
-                      <a16:creationId xmlns:a16="http://schemas.microsoft.com/office/drawing/2014/main" id="{7B819F42-7A10-CE7C-3A9F-D92125094B92}"/>
-                    </a:ext>
-                  </a:extLst>
-                </p:cNvPr>
-                <p:cNvSpPr txBox="1"/>
-                <p:nvPr/>
-              </p:nvSpPr>
-              <p:spPr>
-                <a:xfrm>
-                  <a:off x="7665455" y="3283309"/>
-                  <a:ext cx="254000" cy="466492"/>
-                </a:xfrm>
-                <a:prstGeom prst="rect">
-                  <a:avLst/>
-                </a:prstGeom>
-                <a:noFill/>
-              </p:spPr>
-              <p:txBody>
-                <a:bodyPr wrap="none" lIns="0" rIns="0" rtlCol="0">
-                  <a:noAutofit/>
-                </a:bodyPr>
-                <a:lstStyle/>
-                <a:p>
-                  <a:pPr algn="l"/>
-                  <a:r>
-                    <a:rPr lang="en-US" dirty="0"/>
-                    <a:t>   </a:t>
-                  </a:r>
-                </a:p>
-              </p:txBody>
-            </p:sp>
-          </p:grpSp>
-          <p:sp>
-            <p:nvSpPr>
-              <p:cNvPr id="121" name="TextBox 11">
-                <a:extLst>
-                  <a:ext uri="{FF2B5EF4-FFF2-40B4-BE49-F238E27FC236}">
-                    <a16:creationId xmlns:a16="http://schemas.microsoft.com/office/drawing/2014/main" id="{27C9F588-0BA0-C69F-39B2-B138EE8FD6A9}"/>
-                  </a:ext>
-                </a:extLst>
-              </p:cNvPr>
-              <p:cNvSpPr txBox="1">
-                <a:spLocks noChangeArrowheads="1"/>
-              </p:cNvSpPr>
-              <p:nvPr/>
-            </p:nvSpPr>
-            <p:spPr bwMode="auto">
-              <a:xfrm>
-                <a:off x="4434921" y="2643665"/>
-                <a:ext cx="1613178" cy="461665"/>
-              </a:xfrm>
-              <a:prstGeom prst="rect">
-                <a:avLst/>
-              </a:prstGeom>
-              <a:noFill/>
-              <a:ln>
-                <a:noFill/>
-              </a:ln>
-              <a:extLst>
-                <a:ext uri="{909E8E84-426E-40DD-AFC4-6F175D3DCCD1}">
-                  <a14:hiddenFill xmlns:a14="http://schemas.microsoft.com/office/drawing/2010/main">
-                    <a:solidFill>
-                      <a:srgbClr val="FFFFFF"/>
-                    </a:solidFill>
-                  </a14:hiddenFill>
-                </a:ext>
-                <a:ext uri="{91240B29-F687-4F45-9708-019B960494DF}">
-                  <a14:hiddenLine xmlns:a14="http://schemas.microsoft.com/office/drawing/2010/main" w="9525">
-                    <a:solidFill>
-                      <a:srgbClr val="000000"/>
-                    </a:solidFill>
-                    <a:miter lim="800000"/>
-                    <a:headEnd/>
-                    <a:tailEnd/>
-                  </a14:hiddenLine>
-                </a:ext>
-              </a:extLst>
-            </p:spPr>
-            <p:txBody>
-              <a:bodyPr wrap="square">
-                <a:spAutoFit/>
-              </a:bodyPr>
-              <a:lstStyle>
-                <a:lvl1pPr>
-                  <a:defRPr>
-                    <a:solidFill>
-                      <a:schemeClr val="tx1"/>
-                    </a:solidFill>
-                    <a:latin typeface="Calibri" panose="020F0502020204030204" pitchFamily="34" charset="0"/>
-                  </a:defRPr>
-                </a:lvl1pPr>
-                <a:lvl2pPr marL="742950" indent="-285750">
-                  <a:defRPr>
-                    <a:solidFill>
-                      <a:schemeClr val="tx1"/>
-                    </a:solidFill>
-                    <a:latin typeface="Calibri" panose="020F0502020204030204" pitchFamily="34" charset="0"/>
-                  </a:defRPr>
-                </a:lvl2pPr>
-                <a:lvl3pPr marL="1143000" indent="-228600">
-                  <a:defRPr>
-                    <a:solidFill>
-                      <a:schemeClr val="tx1"/>
-                    </a:solidFill>
-                    <a:latin typeface="Calibri" panose="020F0502020204030204" pitchFamily="34" charset="0"/>
-                  </a:defRPr>
-                </a:lvl3pPr>
-                <a:lvl4pPr marL="1600200" indent="-228600">
-                  <a:defRPr>
-                    <a:solidFill>
-                      <a:schemeClr val="tx1"/>
-                    </a:solidFill>
-                    <a:latin typeface="Calibri" panose="020F0502020204030204" pitchFamily="34" charset="0"/>
-                  </a:defRPr>
-                </a:lvl4pPr>
-                <a:lvl5pPr marL="2057400" indent="-228600">
-                  <a:defRPr>
-                    <a:solidFill>
-                      <a:schemeClr val="tx1"/>
-                    </a:solidFill>
-                    <a:latin typeface="Calibri" panose="020F0502020204030204" pitchFamily="34" charset="0"/>
-                  </a:defRPr>
-                </a:lvl5pPr>
-                <a:lvl6pPr marL="2514600" indent="-228600" eaLnBrk="0" fontAlgn="base" hangingPunct="0">
-                  <a:spcBef>
-                    <a:spcPct val="0"/>
-                  </a:spcBef>
-                  <a:spcAft>
-                    <a:spcPct val="0"/>
-                  </a:spcAft>
-                  <a:defRPr>
-                    <a:solidFill>
-                      <a:schemeClr val="tx1"/>
-                    </a:solidFill>
-                    <a:latin typeface="Calibri" panose="020F0502020204030204" pitchFamily="34" charset="0"/>
-                  </a:defRPr>
-                </a:lvl6pPr>
-                <a:lvl7pPr marL="2971800" indent="-228600" eaLnBrk="0" fontAlgn="base" hangingPunct="0">
-                  <a:spcBef>
-                    <a:spcPct val="0"/>
-                  </a:spcBef>
-                  <a:spcAft>
-                    <a:spcPct val="0"/>
-                  </a:spcAft>
-                  <a:defRPr>
-                    <a:solidFill>
-                      <a:schemeClr val="tx1"/>
-                    </a:solidFill>
-                    <a:latin typeface="Calibri" panose="020F0502020204030204" pitchFamily="34" charset="0"/>
-                  </a:defRPr>
-                </a:lvl7pPr>
-                <a:lvl8pPr marL="3429000" indent="-228600" eaLnBrk="0" fontAlgn="base" hangingPunct="0">
-                  <a:spcBef>
-                    <a:spcPct val="0"/>
-                  </a:spcBef>
-                  <a:spcAft>
-                    <a:spcPct val="0"/>
-                  </a:spcAft>
-                  <a:defRPr>
-                    <a:solidFill>
-                      <a:schemeClr val="tx1"/>
-                    </a:solidFill>
-                    <a:latin typeface="Calibri" panose="020F0502020204030204" pitchFamily="34" charset="0"/>
-                  </a:defRPr>
-                </a:lvl8pPr>
-                <a:lvl9pPr marL="3886200" indent="-228600" eaLnBrk="0" fontAlgn="base" hangingPunct="0">
-                  <a:spcBef>
-                    <a:spcPct val="0"/>
-                  </a:spcBef>
-                  <a:spcAft>
-                    <a:spcPct val="0"/>
-                  </a:spcAft>
-                  <a:defRPr>
-                    <a:solidFill>
-                      <a:schemeClr val="tx1"/>
-                    </a:solidFill>
-                    <a:latin typeface="Calibri" panose="020F0502020204030204" pitchFamily="34" charset="0"/>
-                  </a:defRPr>
-                </a:lvl9pPr>
-              </a:lstStyle>
-              <a:p>
-                <a:pPr fontAlgn="base">
-                  <a:spcBef>
-                    <a:spcPct val="0"/>
-                  </a:spcBef>
-                  <a:spcAft>
-                    <a:spcPct val="0"/>
-                  </a:spcAft>
-                </a:pPr>
-                <a:r>
-                  <a:rPr lang="en-US" altLang="en-US" sz="1200" dirty="0">
-                    <a:solidFill>
-                      <a:srgbClr val="FFFFFF"/>
-                    </a:solidFill>
-                    <a:latin typeface="Arial" panose="020B0604020202020204" pitchFamily="34" charset="0"/>
-                    <a:ea typeface="Amazon Ember" panose="020B0603020204020204" pitchFamily="34" charset="0"/>
-                    <a:cs typeface="Arial" panose="020B0604020202020204" pitchFamily="34" charset="0"/>
-                  </a:rPr>
-                  <a:t>API Gateway</a:t>
-                </a:r>
-                <a:br>
-                  <a:rPr lang="en-US" altLang="en-US" sz="1200" dirty="0">
-                    <a:solidFill>
-                      <a:srgbClr val="FFFFFF"/>
-                    </a:solidFill>
-                    <a:latin typeface="Arial" panose="020B0604020202020204" pitchFamily="34" charset="0"/>
-                    <a:ea typeface="Amazon Ember" panose="020B0603020204020204" pitchFamily="34" charset="0"/>
-                    <a:cs typeface="Arial" panose="020B0604020202020204" pitchFamily="34" charset="0"/>
-                  </a:rPr>
-                </a:br>
-                <a:r>
-                  <a:rPr lang="en-US" altLang="en-US" sz="1200" i="1" dirty="0">
-                    <a:solidFill>
-                      <a:schemeClr val="bg2">
-                        <a:lumMod val="40000"/>
-                        <a:lumOff val="60000"/>
-                      </a:schemeClr>
-                    </a:solidFill>
-                    <a:effectLst>
-                      <a:glow>
-                        <a:schemeClr val="bg1"/>
-                      </a:glow>
-                    </a:effectLst>
-                    <a:latin typeface="+mn-lt"/>
-                    <a:ea typeface="Amazon Ember" panose="020B0603020204020204" pitchFamily="34" charset="0"/>
-                    <a:cs typeface="Arial" panose="020B0604020202020204" pitchFamily="34" charset="0"/>
-                  </a:rPr>
-                  <a:t>web sockets API</a:t>
-                </a:r>
-                <a:endParaRPr lang="en-US" sz="1200" i="1" dirty="0">
-                  <a:solidFill>
-                    <a:schemeClr val="bg2">
-                      <a:lumMod val="40000"/>
-                      <a:lumOff val="60000"/>
-                    </a:schemeClr>
-                  </a:solidFill>
-                  <a:effectLst>
-                    <a:glow>
-                      <a:schemeClr val="bg1"/>
-                    </a:glow>
-                  </a:effectLst>
-                  <a:latin typeface="+mn-lt"/>
-                  <a:ea typeface="Amazon Ember" panose="020B0603020204020204" pitchFamily="34" charset="0"/>
-                  <a:cs typeface="Arial" panose="020B0604020202020204" pitchFamily="34" charset="0"/>
-                </a:endParaRPr>
-              </a:p>
-            </p:txBody>
-          </p:sp>
-        </p:grpSp>
-        <p:pic>
-          <p:nvPicPr>
-            <p:cNvPr id="119" name="Graphic 7" descr="Amazon API Gateway service icon.">
-              <a:extLst>
-                <a:ext uri="{FF2B5EF4-FFF2-40B4-BE49-F238E27FC236}">
-                  <a16:creationId xmlns:a16="http://schemas.microsoft.com/office/drawing/2014/main" id="{D66014F7-BB38-03A8-1A40-C9569BE6EE6F}"/>
-                </a:ext>
-              </a:extLst>
-            </p:cNvPr>
-            <p:cNvPicPr>
-              <a:picLocks noChangeAspect="1" noChangeArrowheads="1"/>
-            </p:cNvPicPr>
-            <p:nvPr/>
-          </p:nvPicPr>
-          <p:blipFill>
-            <a:blip r:embed="rId14">
-              <a:extLst>
-                <a:ext uri="{96DAC541-7B7A-43D3-8B79-37D633B846F1}">
-                  <asvg:svgBlip xmlns:asvg="http://schemas.microsoft.com/office/drawing/2016/SVG/main" r:embed="rId15"/>
-                </a:ext>
-              </a:extLst>
-            </a:blip>
-            <a:srcRect/>
-            <a:stretch/>
-          </p:blipFill>
-          <p:spPr bwMode="auto">
-            <a:xfrm>
-              <a:off x="5299188" y="4241719"/>
-              <a:ext cx="356400" cy="356400"/>
-            </a:xfrm>
-            <a:prstGeom prst="rect">
-              <a:avLst/>
-            </a:prstGeom>
-            <a:noFill/>
-            <a:ln>
-              <a:noFill/>
-            </a:ln>
-            <a:extLst>
-              <a:ext uri="{909E8E84-426E-40DD-AFC4-6F175D3DCCD1}">
-                <a14:hiddenFill xmlns:a14="http://schemas.microsoft.com/office/drawing/2010/main">
-                  <a:solidFill>
-                    <a:srgbClr val="FFFFFF"/>
-                  </a:solidFill>
-                </a14:hiddenFill>
-              </a:ext>
-              <a:ext uri="{91240B29-F687-4F45-9708-019B960494DF}">
-                <a14:hiddenLine xmlns:a14="http://schemas.microsoft.com/office/drawing/2010/main" w="9525">
-                  <a:solidFill>
-                    <a:srgbClr val="000000"/>
-                  </a:solidFill>
-                  <a:miter lim="800000"/>
-                  <a:headEnd/>
-                  <a:tailEnd/>
-                </a14:hiddenLine>
-              </a:ext>
-            </a:extLst>
-          </p:spPr>
-        </p:pic>
-      </p:grpSp>
-      <p:sp>
-        <p:nvSpPr>
-          <p:cNvPr id="125" name="TextBox 12">
-            <a:extLst>
-              <a:ext uri="{FF2B5EF4-FFF2-40B4-BE49-F238E27FC236}">
-                <a16:creationId xmlns:a16="http://schemas.microsoft.com/office/drawing/2014/main" id="{553931F0-AFDF-B6A6-2296-95BE89502F5A}"/>
-              </a:ext>
-            </a:extLst>
-          </p:cNvPr>
-          <p:cNvSpPr txBox="1">
-            <a:spLocks noChangeArrowheads="1"/>
-          </p:cNvSpPr>
-          <p:nvPr/>
-        </p:nvSpPr>
-        <p:spPr bwMode="auto">
-          <a:xfrm rot="16200000">
-            <a:off x="7352945" y="3392692"/>
-            <a:ext cx="1391757" cy="307777"/>
-          </a:xfrm>
-          <a:prstGeom prst="rect">
-            <a:avLst/>
-          </a:prstGeom>
-          <a:noFill/>
-          <a:ln>
-            <a:noFill/>
-          </a:ln>
-          <a:extLst>
-            <a:ext uri="{909E8E84-426E-40DD-AFC4-6F175D3DCCD1}">
-              <a14:hiddenFill xmlns:a14="http://schemas.microsoft.com/office/drawing/2010/main">
-                <a:solidFill>
-                  <a:srgbClr val="FFFFFF"/>
-                </a:solidFill>
-              </a14:hiddenFill>
-            </a:ext>
-            <a:ext uri="{91240B29-F687-4F45-9708-019B960494DF}">
-              <a14:hiddenLine xmlns:a14="http://schemas.microsoft.com/office/drawing/2010/main" w="9525">
-                <a:solidFill>
-                  <a:srgbClr val="000000"/>
-                </a:solidFill>
-                <a:miter lim="800000"/>
-                <a:headEnd/>
-                <a:tailEnd/>
-              </a14:hiddenLine>
-            </a:ext>
-          </a:extLst>
-        </p:spPr>
-        <p:txBody>
-          <a:bodyPr wrap="square">
-            <a:spAutoFit/>
-          </a:bodyPr>
-          <a:lstStyle>
-            <a:lvl1pPr>
-              <a:defRPr>
-                <a:solidFill>
-                  <a:schemeClr val="tx1"/>
-                </a:solidFill>
-                <a:latin typeface="Calibri" panose="020F0502020204030204" pitchFamily="34" charset="0"/>
-              </a:defRPr>
-            </a:lvl1pPr>
-            <a:lvl2pPr marL="742950" indent="-285750">
-              <a:defRPr>
-                <a:solidFill>
-                  <a:schemeClr val="tx1"/>
-                </a:solidFill>
-                <a:latin typeface="Calibri" panose="020F0502020204030204" pitchFamily="34" charset="0"/>
-              </a:defRPr>
-            </a:lvl2pPr>
-            <a:lvl3pPr marL="1143000" indent="-228600">
-              <a:defRPr>
-                <a:solidFill>
-                  <a:schemeClr val="tx1"/>
-                </a:solidFill>
-                <a:latin typeface="Calibri" panose="020F0502020204030204" pitchFamily="34" charset="0"/>
-              </a:defRPr>
-            </a:lvl3pPr>
-            <a:lvl4pPr marL="1600200" indent="-228600">
-              <a:defRPr>
-                <a:solidFill>
-                  <a:schemeClr val="tx1"/>
-                </a:solidFill>
-                <a:latin typeface="Calibri" panose="020F0502020204030204" pitchFamily="34" charset="0"/>
-              </a:defRPr>
-            </a:lvl4pPr>
-            <a:lvl5pPr marL="2057400" indent="-228600">
-              <a:defRPr>
-                <a:solidFill>
-                  <a:schemeClr val="tx1"/>
-                </a:solidFill>
-                <a:latin typeface="Calibri" panose="020F0502020204030204" pitchFamily="34" charset="0"/>
-              </a:defRPr>
-            </a:lvl5pPr>
-            <a:lvl6pPr marL="2514600" indent="-228600" eaLnBrk="0" fontAlgn="base" hangingPunct="0">
-              <a:spcBef>
-                <a:spcPct val="0"/>
-              </a:spcBef>
-              <a:spcAft>
-                <a:spcPct val="0"/>
-              </a:spcAft>
-              <a:defRPr>
-                <a:solidFill>
-                  <a:schemeClr val="tx1"/>
-                </a:solidFill>
-                <a:latin typeface="Calibri" panose="020F0502020204030204" pitchFamily="34" charset="0"/>
-              </a:defRPr>
-            </a:lvl6pPr>
-            <a:lvl7pPr marL="2971800" indent="-228600" eaLnBrk="0" fontAlgn="base" hangingPunct="0">
-              <a:spcBef>
-                <a:spcPct val="0"/>
-              </a:spcBef>
-              <a:spcAft>
-                <a:spcPct val="0"/>
-              </a:spcAft>
-              <a:defRPr>
-                <a:solidFill>
-                  <a:schemeClr val="tx1"/>
-                </a:solidFill>
-                <a:latin typeface="Calibri" panose="020F0502020204030204" pitchFamily="34" charset="0"/>
-              </a:defRPr>
-            </a:lvl7pPr>
-            <a:lvl8pPr marL="3429000" indent="-228600" eaLnBrk="0" fontAlgn="base" hangingPunct="0">
-              <a:spcBef>
-                <a:spcPct val="0"/>
-              </a:spcBef>
-              <a:spcAft>
-                <a:spcPct val="0"/>
-              </a:spcAft>
-              <a:defRPr>
-                <a:solidFill>
-                  <a:schemeClr val="tx1"/>
-                </a:solidFill>
-                <a:latin typeface="Calibri" panose="020F0502020204030204" pitchFamily="34" charset="0"/>
-              </a:defRPr>
-            </a:lvl8pPr>
-            <a:lvl9pPr marL="3886200" indent="-228600" eaLnBrk="0" fontAlgn="base" hangingPunct="0">
-              <a:spcBef>
-                <a:spcPct val="0"/>
-              </a:spcBef>
-              <a:spcAft>
-                <a:spcPct val="0"/>
-              </a:spcAft>
-              <a:defRPr>
-                <a:solidFill>
-                  <a:schemeClr val="tx1"/>
-                </a:solidFill>
-                <a:latin typeface="Calibri" panose="020F0502020204030204" pitchFamily="34" charset="0"/>
-              </a:defRPr>
-            </a:lvl9pPr>
-          </a:lstStyle>
-          <a:p>
-            <a:pPr algn="r" fontAlgn="base">
-              <a:spcBef>
-                <a:spcPct val="0"/>
-              </a:spcBef>
-              <a:spcAft>
-                <a:spcPct val="0"/>
-              </a:spcAft>
-            </a:pPr>
-            <a:r>
-              <a:rPr lang="en-US" altLang="en-US" sz="1400" i="1" dirty="0">
-                <a:solidFill>
-                  <a:schemeClr val="bg2">
-                    <a:lumMod val="40000"/>
-                    <a:lumOff val="60000"/>
-                  </a:schemeClr>
-                </a:solidFill>
-                <a:effectLst>
-                  <a:glow>
-                    <a:schemeClr val="bg1"/>
-                  </a:glow>
-                </a:effectLst>
-                <a:latin typeface="+mn-lt"/>
-              </a:rPr>
-              <a:t>alternatives</a:t>
-            </a:r>
-          </a:p>
-        </p:txBody>
-      </p:sp>
-      <p:sp>
-        <p:nvSpPr>
-          <p:cNvPr id="126" name="TextBox 12">
-            <a:extLst>
-              <a:ext uri="{FF2B5EF4-FFF2-40B4-BE49-F238E27FC236}">
-                <a16:creationId xmlns:a16="http://schemas.microsoft.com/office/drawing/2014/main" id="{250E4B42-3FB0-6C92-AC0D-DA9BFB47C862}"/>
-              </a:ext>
-            </a:extLst>
-          </p:cNvPr>
-          <p:cNvSpPr txBox="1">
-            <a:spLocks noChangeArrowheads="1"/>
-          </p:cNvSpPr>
-          <p:nvPr/>
-        </p:nvSpPr>
-        <p:spPr bwMode="auto">
-          <a:xfrm>
-            <a:off x="3969971" y="663920"/>
-            <a:ext cx="969708" cy="523220"/>
-          </a:xfrm>
-          <a:prstGeom prst="rect">
-            <a:avLst/>
-          </a:prstGeom>
-          <a:noFill/>
-          <a:ln>
-            <a:noFill/>
-          </a:ln>
-          <a:extLst>
-            <a:ext uri="{909E8E84-426E-40DD-AFC4-6F175D3DCCD1}">
-              <a14:hiddenFill xmlns:a14="http://schemas.microsoft.com/office/drawing/2010/main">
-                <a:solidFill>
-                  <a:srgbClr val="FFFFFF"/>
-                </a:solidFill>
-              </a14:hiddenFill>
-            </a:ext>
-            <a:ext uri="{91240B29-F687-4F45-9708-019B960494DF}">
-              <a14:hiddenLine xmlns:a14="http://schemas.microsoft.com/office/drawing/2010/main" w="9525">
-                <a:solidFill>
-                  <a:srgbClr val="000000"/>
-                </a:solidFill>
-                <a:miter lim="800000"/>
-                <a:headEnd/>
-                <a:tailEnd/>
-              </a14:hiddenLine>
-            </a:ext>
-          </a:extLst>
-        </p:spPr>
-        <p:txBody>
-          <a:bodyPr wrap="square">
-            <a:spAutoFit/>
-          </a:bodyPr>
-          <a:lstStyle>
-            <a:lvl1pPr>
-              <a:defRPr>
-                <a:solidFill>
-                  <a:schemeClr val="tx1"/>
-                </a:solidFill>
-                <a:latin typeface="Calibri" panose="020F0502020204030204" pitchFamily="34" charset="0"/>
-              </a:defRPr>
-            </a:lvl1pPr>
-            <a:lvl2pPr marL="742950" indent="-285750">
-              <a:defRPr>
-                <a:solidFill>
-                  <a:schemeClr val="tx1"/>
-                </a:solidFill>
-                <a:latin typeface="Calibri" panose="020F0502020204030204" pitchFamily="34" charset="0"/>
-              </a:defRPr>
-            </a:lvl2pPr>
-            <a:lvl3pPr marL="1143000" indent="-228600">
-              <a:defRPr>
-                <a:solidFill>
-                  <a:schemeClr val="tx1"/>
-                </a:solidFill>
-                <a:latin typeface="Calibri" panose="020F0502020204030204" pitchFamily="34" charset="0"/>
-              </a:defRPr>
-            </a:lvl3pPr>
-            <a:lvl4pPr marL="1600200" indent="-228600">
-              <a:defRPr>
-                <a:solidFill>
-                  <a:schemeClr val="tx1"/>
-                </a:solidFill>
-                <a:latin typeface="Calibri" panose="020F0502020204030204" pitchFamily="34" charset="0"/>
-              </a:defRPr>
-            </a:lvl4pPr>
-            <a:lvl5pPr marL="2057400" indent="-228600">
-              <a:defRPr>
-                <a:solidFill>
-                  <a:schemeClr val="tx1"/>
-                </a:solidFill>
-                <a:latin typeface="Calibri" panose="020F0502020204030204" pitchFamily="34" charset="0"/>
-              </a:defRPr>
-            </a:lvl5pPr>
-            <a:lvl6pPr marL="2514600" indent="-228600" eaLnBrk="0" fontAlgn="base" hangingPunct="0">
-              <a:spcBef>
-                <a:spcPct val="0"/>
-              </a:spcBef>
-              <a:spcAft>
-                <a:spcPct val="0"/>
-              </a:spcAft>
-              <a:defRPr>
-                <a:solidFill>
-                  <a:schemeClr val="tx1"/>
-                </a:solidFill>
-                <a:latin typeface="Calibri" panose="020F0502020204030204" pitchFamily="34" charset="0"/>
-              </a:defRPr>
-            </a:lvl6pPr>
-            <a:lvl7pPr marL="2971800" indent="-228600" eaLnBrk="0" fontAlgn="base" hangingPunct="0">
-              <a:spcBef>
-                <a:spcPct val="0"/>
-              </a:spcBef>
-              <a:spcAft>
-                <a:spcPct val="0"/>
-              </a:spcAft>
-              <a:defRPr>
-                <a:solidFill>
-                  <a:schemeClr val="tx1"/>
-                </a:solidFill>
-                <a:latin typeface="Calibri" panose="020F0502020204030204" pitchFamily="34" charset="0"/>
-              </a:defRPr>
-            </a:lvl7pPr>
-            <a:lvl8pPr marL="3429000" indent="-228600" eaLnBrk="0" fontAlgn="base" hangingPunct="0">
-              <a:spcBef>
-                <a:spcPct val="0"/>
-              </a:spcBef>
-              <a:spcAft>
-                <a:spcPct val="0"/>
-              </a:spcAft>
-              <a:defRPr>
-                <a:solidFill>
-                  <a:schemeClr val="tx1"/>
-                </a:solidFill>
-                <a:latin typeface="Calibri" panose="020F0502020204030204" pitchFamily="34" charset="0"/>
-              </a:defRPr>
-            </a:lvl8pPr>
-            <a:lvl9pPr marL="3886200" indent="-228600" eaLnBrk="0" fontAlgn="base" hangingPunct="0">
-              <a:spcBef>
-                <a:spcPct val="0"/>
-              </a:spcBef>
-              <a:spcAft>
-                <a:spcPct val="0"/>
-              </a:spcAft>
-              <a:defRPr>
-                <a:solidFill>
-                  <a:schemeClr val="tx1"/>
-                </a:solidFill>
-                <a:latin typeface="Calibri" panose="020F0502020204030204" pitchFamily="34" charset="0"/>
-              </a:defRPr>
-            </a:lvl9pPr>
-          </a:lstStyle>
-          <a:p>
-            <a:pPr fontAlgn="base">
-              <a:spcBef>
-                <a:spcPct val="0"/>
-              </a:spcBef>
-              <a:spcAft>
-                <a:spcPct val="0"/>
-              </a:spcAft>
-            </a:pPr>
-            <a:r>
-              <a:rPr lang="en-US" altLang="en-US" sz="1400" i="1" dirty="0">
-                <a:solidFill>
-                  <a:schemeClr val="bg2">
-                    <a:lumMod val="40000"/>
-                    <a:lumOff val="60000"/>
-                  </a:schemeClr>
-                </a:solidFill>
-                <a:effectLst>
-                  <a:glow>
-                    <a:schemeClr val="bg1"/>
-                  </a:glow>
-                </a:effectLst>
-                <a:latin typeface="+mn-lt"/>
-              </a:rPr>
-              <a:t>outbound messages</a:t>
-            </a:r>
-          </a:p>
-        </p:txBody>
-      </p:sp>
-      <p:sp>
-        <p:nvSpPr>
-          <p:cNvPr id="127" name="TextBox 12">
-            <a:extLst>
-              <a:ext uri="{FF2B5EF4-FFF2-40B4-BE49-F238E27FC236}">
-                <a16:creationId xmlns:a16="http://schemas.microsoft.com/office/drawing/2014/main" id="{B98F4351-A956-5115-65B1-3D5BBEDCB24C}"/>
-              </a:ext>
-            </a:extLst>
-          </p:cNvPr>
-          <p:cNvSpPr txBox="1">
-            <a:spLocks noChangeArrowheads="1"/>
-          </p:cNvSpPr>
-          <p:nvPr/>
-        </p:nvSpPr>
-        <p:spPr bwMode="auto">
-          <a:xfrm>
-            <a:off x="7822798" y="659921"/>
-            <a:ext cx="1391757" cy="523220"/>
-          </a:xfrm>
-          <a:prstGeom prst="rect">
-            <a:avLst/>
-          </a:prstGeom>
-          <a:noFill/>
-          <a:ln>
-            <a:noFill/>
-          </a:ln>
-          <a:extLst>
-            <a:ext uri="{909E8E84-426E-40DD-AFC4-6F175D3DCCD1}">
-              <a14:hiddenFill xmlns:a14="http://schemas.microsoft.com/office/drawing/2010/main">
-                <a:solidFill>
-                  <a:srgbClr val="FFFFFF"/>
-                </a:solidFill>
-              </a14:hiddenFill>
-            </a:ext>
-            <a:ext uri="{91240B29-F687-4F45-9708-019B960494DF}">
-              <a14:hiddenLine xmlns:a14="http://schemas.microsoft.com/office/drawing/2010/main" w="9525">
-                <a:solidFill>
-                  <a:srgbClr val="000000"/>
-                </a:solidFill>
-                <a:miter lim="800000"/>
-                <a:headEnd/>
-                <a:tailEnd/>
-              </a14:hiddenLine>
-            </a:ext>
-          </a:extLst>
-        </p:spPr>
-        <p:txBody>
-          <a:bodyPr wrap="square">
-            <a:spAutoFit/>
-          </a:bodyPr>
-          <a:lstStyle>
-            <a:lvl1pPr>
-              <a:defRPr>
-                <a:solidFill>
-                  <a:schemeClr val="tx1"/>
-                </a:solidFill>
-                <a:latin typeface="Calibri" panose="020F0502020204030204" pitchFamily="34" charset="0"/>
-              </a:defRPr>
-            </a:lvl1pPr>
-            <a:lvl2pPr marL="742950" indent="-285750">
-              <a:defRPr>
-                <a:solidFill>
-                  <a:schemeClr val="tx1"/>
-                </a:solidFill>
-                <a:latin typeface="Calibri" panose="020F0502020204030204" pitchFamily="34" charset="0"/>
-              </a:defRPr>
-            </a:lvl2pPr>
-            <a:lvl3pPr marL="1143000" indent="-228600">
-              <a:defRPr>
-                <a:solidFill>
-                  <a:schemeClr val="tx1"/>
-                </a:solidFill>
-                <a:latin typeface="Calibri" panose="020F0502020204030204" pitchFamily="34" charset="0"/>
-              </a:defRPr>
-            </a:lvl3pPr>
-            <a:lvl4pPr marL="1600200" indent="-228600">
-              <a:defRPr>
-                <a:solidFill>
-                  <a:schemeClr val="tx1"/>
-                </a:solidFill>
-                <a:latin typeface="Calibri" panose="020F0502020204030204" pitchFamily="34" charset="0"/>
-              </a:defRPr>
-            </a:lvl4pPr>
-            <a:lvl5pPr marL="2057400" indent="-228600">
-              <a:defRPr>
-                <a:solidFill>
-                  <a:schemeClr val="tx1"/>
-                </a:solidFill>
-                <a:latin typeface="Calibri" panose="020F0502020204030204" pitchFamily="34" charset="0"/>
-              </a:defRPr>
-            </a:lvl5pPr>
-            <a:lvl6pPr marL="2514600" indent="-228600" eaLnBrk="0" fontAlgn="base" hangingPunct="0">
-              <a:spcBef>
-                <a:spcPct val="0"/>
-              </a:spcBef>
-              <a:spcAft>
-                <a:spcPct val="0"/>
-              </a:spcAft>
-              <a:defRPr>
-                <a:solidFill>
-                  <a:schemeClr val="tx1"/>
-                </a:solidFill>
-                <a:latin typeface="Calibri" panose="020F0502020204030204" pitchFamily="34" charset="0"/>
-              </a:defRPr>
-            </a:lvl6pPr>
-            <a:lvl7pPr marL="2971800" indent="-228600" eaLnBrk="0" fontAlgn="base" hangingPunct="0">
-              <a:spcBef>
-                <a:spcPct val="0"/>
-              </a:spcBef>
-              <a:spcAft>
-                <a:spcPct val="0"/>
-              </a:spcAft>
-              <a:defRPr>
-                <a:solidFill>
-                  <a:schemeClr val="tx1"/>
-                </a:solidFill>
-                <a:latin typeface="Calibri" panose="020F0502020204030204" pitchFamily="34" charset="0"/>
-              </a:defRPr>
-            </a:lvl7pPr>
-            <a:lvl8pPr marL="3429000" indent="-228600" eaLnBrk="0" fontAlgn="base" hangingPunct="0">
-              <a:spcBef>
-                <a:spcPct val="0"/>
-              </a:spcBef>
-              <a:spcAft>
-                <a:spcPct val="0"/>
-              </a:spcAft>
-              <a:defRPr>
-                <a:solidFill>
-                  <a:schemeClr val="tx1"/>
-                </a:solidFill>
-                <a:latin typeface="Calibri" panose="020F0502020204030204" pitchFamily="34" charset="0"/>
-              </a:defRPr>
-            </a:lvl8pPr>
-            <a:lvl9pPr marL="3886200" indent="-228600" eaLnBrk="0" fontAlgn="base" hangingPunct="0">
-              <a:spcBef>
-                <a:spcPct val="0"/>
-              </a:spcBef>
-              <a:spcAft>
-                <a:spcPct val="0"/>
-              </a:spcAft>
-              <a:defRPr>
-                <a:solidFill>
-                  <a:schemeClr val="tx1"/>
-                </a:solidFill>
-                <a:latin typeface="Calibri" panose="020F0502020204030204" pitchFamily="34" charset="0"/>
-              </a:defRPr>
-            </a:lvl9pPr>
-          </a:lstStyle>
-          <a:p>
-            <a:pPr algn="r" fontAlgn="base">
-              <a:spcBef>
-                <a:spcPct val="0"/>
-              </a:spcBef>
-              <a:spcAft>
-                <a:spcPct val="0"/>
-              </a:spcAft>
-            </a:pPr>
-            <a:r>
-              <a:rPr lang="en-US" altLang="en-US" sz="1400" i="1" dirty="0">
-                <a:solidFill>
-                  <a:schemeClr val="bg2">
-                    <a:lumMod val="40000"/>
-                    <a:lumOff val="60000"/>
-                  </a:schemeClr>
-                </a:solidFill>
-                <a:effectLst>
-                  <a:glow>
-                    <a:schemeClr val="bg1"/>
-                  </a:glow>
-                </a:effectLst>
-                <a:latin typeface="+mn-lt"/>
-              </a:rPr>
-              <a:t>inbound messages</a:t>
-            </a:r>
-          </a:p>
-        </p:txBody>
-      </p:sp>
-    </p:spTree>
-    <p:extLst>
-      <p:ext uri="{BB962C8B-B14F-4D97-AF65-F5344CB8AC3E}">
-        <p14:creationId xmlns:p14="http://schemas.microsoft.com/office/powerpoint/2010/main" val="1012261082"/>
-      </p:ext>
-    </p:extLst>
-  </p:cSld>
-  <p:clrMapOvr>
-    <a:masterClrMapping/>
-  </p:clrMapOvr>
-  <mc:AlternateContent xmlns:mc="http://schemas.openxmlformats.org/markup-compatibility/2006" xmlns:p14="http://schemas.microsoft.com/office/powerpoint/2010/main">
-    <mc:Choice Requires="p14">
-      <p:transition spd="med" p14:dur="700">
-        <p:fade/>
-      </p:transition>
-    </mc:Choice>
-    <mc:Fallback xmlns="">
-      <p:transition spd="med">
-        <p:fade/>
-      </p:transition>
-    </mc:Fallback>
-  </mc:AlternateContent>
 </p:sld>
 </file>
 

--- a/4 ⚙️ Solution/20 🧑‍🦰 UI/02 📣 Notifiers/.📎 Assets/📣 .pptx
+++ b/4 ⚙️ Solution/20 🧑‍🦰 UI/02 📣 Notifiers/.📎 Assets/📣 .pptx
@@ -713,7 +713,7 @@
           <a:p>
             <a:fld id="{542F96DF-134D-4F6A-BFA6-E032E504EEEB}" type="datetime8">
               <a:rPr lang="en-US" smtClean="0"/>
-              <a:t>8/26/25 1:27 AM</a:t>
+              <a:t>9/19/25 2:51 AM</a:t>
             </a:fld>
             <a:endParaRPr lang="en-US" dirty="0"/>
           </a:p>
@@ -3551,7 +3551,7 @@
                   <a:schemeClr val="bg2"/>
                 </a:solidFill>
               </a:rPr>
-              <a:t>sessions</a:t>
+              <a:t>chats</a:t>
             </a:r>
           </a:p>
         </p:txBody>
@@ -4321,7 +4321,7 @@
                   <a:schemeClr val="bg2"/>
                 </a:solidFill>
               </a:rPr>
-              <a:t>sessions</a:t>
+              <a:t>chats</a:t>
             </a:r>
           </a:p>
         </p:txBody>
